--- a/FRIENDS.pptx
+++ b/FRIENDS.pptx
@@ -5,7 +5,7 @@
     <p:sldMasterId id="2147483661" r:id="rId1"/>
   </p:sldMasterIdLst>
   <p:notesMasterIdLst>
-    <p:notesMasterId r:id="rId13"/>
+    <p:notesMasterId r:id="rId14"/>
   </p:notesMasterIdLst>
   <p:sldIdLst>
     <p:sldId id="256" r:id="rId2"/>
@@ -16,40 +16,41 @@
     <p:sldId id="297" r:id="rId7"/>
     <p:sldId id="308" r:id="rId8"/>
     <p:sldId id="310" r:id="rId9"/>
-    <p:sldId id="309" r:id="rId10"/>
-    <p:sldId id="258" r:id="rId11"/>
-    <p:sldId id="307" r:id="rId12"/>
+    <p:sldId id="311" r:id="rId10"/>
+    <p:sldId id="309" r:id="rId11"/>
+    <p:sldId id="258" r:id="rId12"/>
+    <p:sldId id="307" r:id="rId13"/>
   </p:sldIdLst>
   <p:sldSz cx="9144000" cy="5143500" type="screen16x9"/>
   <p:notesSz cx="6858000" cy="9144000"/>
   <p:embeddedFontLst>
     <p:embeddedFont>
-      <p:font typeface="Calibri" panose="020F0502020204030204" pitchFamily="34" charset="0"/>
-      <p:regular r:id="rId14"/>
-      <p:bold r:id="rId15"/>
+      <p:font typeface="Calibri Light" panose="020F0302020204030204" pitchFamily="34" charset="0"/>
+      <p:regular r:id="rId15"/>
       <p:italic r:id="rId16"/>
-      <p:boldItalic r:id="rId17"/>
     </p:embeddedFont>
     <p:embeddedFont>
-      <p:font typeface="Cambria Math" panose="02040503050406030204" pitchFamily="18" charset="0"/>
-      <p:regular r:id="rId18"/>
+      <p:font typeface="Nunito" panose="020B0604020202020204" charset="-52"/>
+      <p:regular r:id="rId17"/>
+      <p:bold r:id="rId18"/>
+      <p:italic r:id="rId19"/>
+      <p:boldItalic r:id="rId20"/>
     </p:embeddedFont>
     <p:embeddedFont>
       <p:font typeface="Amatic SC" panose="020B0604020202020204" charset="-79"/>
-      <p:regular r:id="rId19"/>
-      <p:bold r:id="rId20"/>
+      <p:regular r:id="rId21"/>
+      <p:bold r:id="rId22"/>
     </p:embeddedFont>
     <p:embeddedFont>
-      <p:font typeface="Calibri Light" panose="020F0302020204030204" pitchFamily="34" charset="0"/>
-      <p:regular r:id="rId21"/>
-      <p:italic r:id="rId22"/>
-    </p:embeddedFont>
-    <p:embeddedFont>
-      <p:font typeface="Nunito" panose="020B0604020202020204" charset="-52"/>
+      <p:font typeface="Calibri" panose="020F0502020204030204" pitchFamily="34" charset="0"/>
       <p:regular r:id="rId23"/>
       <p:bold r:id="rId24"/>
       <p:italic r:id="rId25"/>
       <p:boldItalic r:id="rId26"/>
+    </p:embeddedFont>
+    <p:embeddedFont>
+      <p:font typeface="Cambria Math" panose="02040503050406030204" pitchFamily="18" charset="0"/>
+      <p:regular r:id="rId27"/>
     </p:embeddedFont>
   </p:embeddedFontLst>
   <p:defaultTextStyle>
@@ -849,6 +850,115 @@
   <p:cSld>
     <p:spTree>
       <p:nvGrpSpPr>
+        <p:cNvPr id="1" name="Shape 221"/>
+        <p:cNvGrpSpPr/>
+        <p:nvPr/>
+      </p:nvGrpSpPr>
+      <p:grpSpPr>
+        <a:xfrm>
+          <a:off x="0" y="0"/>
+          <a:ext cx="0" cy="0"/>
+          <a:chOff x="0" y="0"/>
+          <a:chExt cx="0" cy="0"/>
+        </a:xfrm>
+      </p:grpSpPr>
+      <p:sp>
+        <p:nvSpPr>
+          <p:cNvPr id="222" name="Google Shape;222;p:notes"/>
+          <p:cNvSpPr>
+            <a:spLocks noGrp="1" noRot="1" noChangeAspect="1"/>
+          </p:cNvSpPr>
+          <p:nvPr>
+            <p:ph type="sldImg" idx="2"/>
+          </p:nvPr>
+        </p:nvSpPr>
+        <p:spPr>
+          <a:xfrm>
+            <a:off x="381000" y="685800"/>
+            <a:ext cx="6096000" cy="3429000"/>
+          </a:xfrm>
+          <a:custGeom>
+            <a:avLst/>
+            <a:gdLst/>
+            <a:ahLst/>
+            <a:cxnLst/>
+            <a:rect l="l" t="t" r="r" b="b"/>
+            <a:pathLst>
+              <a:path w="120000" h="120000" extrusionOk="0">
+                <a:moveTo>
+                  <a:pt x="0" y="0"/>
+                </a:moveTo>
+                <a:lnTo>
+                  <a:pt x="120000" y="0"/>
+                </a:lnTo>
+                <a:lnTo>
+                  <a:pt x="120000" y="120000"/>
+                </a:lnTo>
+                <a:lnTo>
+                  <a:pt x="0" y="120000"/>
+                </a:lnTo>
+                <a:close/>
+              </a:path>
+            </a:pathLst>
+          </a:custGeom>
+        </p:spPr>
+      </p:sp>
+      <p:sp>
+        <p:nvSpPr>
+          <p:cNvPr id="223" name="Google Shape;223;p:notes"/>
+          <p:cNvSpPr txBox="1">
+            <a:spLocks noGrp="1"/>
+          </p:cNvSpPr>
+          <p:nvPr>
+            <p:ph type="body" idx="1"/>
+          </p:nvPr>
+        </p:nvSpPr>
+        <p:spPr>
+          <a:xfrm>
+            <a:off x="685800" y="4343400"/>
+            <a:ext cx="5486400" cy="4114800"/>
+          </a:xfrm>
+          <a:prstGeom prst="rect">
+            <a:avLst/>
+          </a:prstGeom>
+        </p:spPr>
+        <p:txBody>
+          <a:bodyPr spcFirstLastPara="1" wrap="square" lIns="91425" tIns="91425" rIns="91425" bIns="91425" anchor="t" anchorCtr="0">
+            <a:noAutofit/>
+          </a:bodyPr>
+          <a:lstStyle/>
+          <a:p>
+            <a:pPr marL="0" lvl="0" indent="0" algn="l" rtl="0">
+              <a:spcBef>
+                <a:spcPts val="0"/>
+              </a:spcBef>
+              <a:spcAft>
+                <a:spcPts val="0"/>
+              </a:spcAft>
+              <a:buNone/>
+            </a:pPr>
+            <a:endParaRPr/>
+          </a:p>
+        </p:txBody>
+      </p:sp>
+    </p:spTree>
+    <p:extLst>
+      <p:ext uri="{BB962C8B-B14F-4D97-AF65-F5344CB8AC3E}">
+        <p14:creationId xmlns:p14="http://schemas.microsoft.com/office/powerpoint/2010/main" val="896774247"/>
+      </p:ext>
+    </p:extLst>
+  </p:cSld>
+  <p:clrMapOvr>
+    <a:masterClrMapping/>
+  </p:clrMapOvr>
+</p:notes>
+</file>
+
+<file path=ppt/notesSlides/notesSlide11.xml><?xml version="1.0" encoding="utf-8"?>
+<p:notes xmlns:a="http://schemas.openxmlformats.org/drawingml/2006/main" xmlns:r="http://schemas.openxmlformats.org/officeDocument/2006/relationships" xmlns:p="http://schemas.openxmlformats.org/presentationml/2006/main" showMasterSp="0" showMasterPhAnim="0">
+  <p:cSld>
+    <p:spTree>
+      <p:nvGrpSpPr>
         <p:cNvPr id="1" name="Shape 194"/>
         <p:cNvGrpSpPr/>
         <p:nvPr/>
@@ -953,7 +1063,7 @@
 </p:notes>
 </file>
 
-<file path=ppt/notesSlides/notesSlide11.xml><?xml version="1.0" encoding="utf-8"?>
+<file path=ppt/notesSlides/notesSlide12.xml><?xml version="1.0" encoding="utf-8"?>
 <p:notes xmlns:a="http://schemas.openxmlformats.org/drawingml/2006/main" xmlns:r="http://schemas.openxmlformats.org/officeDocument/2006/relationships" xmlns:p="http://schemas.openxmlformats.org/presentationml/2006/main" showMasterSp="0" showMasterPhAnim="0">
   <p:cSld>
     <p:spTree>
@@ -1924,7 +2034,7 @@
     </p:spTree>
     <p:extLst>
       <p:ext uri="{BB962C8B-B14F-4D97-AF65-F5344CB8AC3E}">
-        <p14:creationId xmlns:p14="http://schemas.microsoft.com/office/powerpoint/2010/main" val="896774247"/>
+        <p14:creationId xmlns:p14="http://schemas.microsoft.com/office/powerpoint/2010/main" val="3766763703"/>
       </p:ext>
     </p:extLst>
   </p:cSld>
@@ -9283,6 +9393,627 @@
   <p:cSld>
     <p:spTree>
       <p:nvGrpSpPr>
+        <p:cNvPr id="1" name="Shape 224"/>
+        <p:cNvGrpSpPr/>
+        <p:nvPr/>
+      </p:nvGrpSpPr>
+      <p:grpSpPr>
+        <a:xfrm>
+          <a:off x="0" y="0"/>
+          <a:ext cx="0" cy="0"/>
+          <a:chOff x="0" y="0"/>
+          <a:chExt cx="0" cy="0"/>
+        </a:xfrm>
+      </p:grpSpPr>
+      <p:sp>
+        <p:nvSpPr>
+          <p:cNvPr id="225" name="Google Shape;225;p20"/>
+          <p:cNvSpPr txBox="1">
+            <a:spLocks noGrp="1"/>
+          </p:cNvSpPr>
+          <p:nvPr>
+            <p:ph type="title"/>
+          </p:nvPr>
+        </p:nvSpPr>
+        <p:spPr>
+          <a:xfrm>
+            <a:off x="883375" y="683599"/>
+            <a:ext cx="6426300" cy="409823"/>
+          </a:xfrm>
+          <a:prstGeom prst="rect">
+            <a:avLst/>
+          </a:prstGeom>
+        </p:spPr>
+        <p:txBody>
+          <a:bodyPr spcFirstLastPara="1" wrap="square" lIns="0" tIns="0" rIns="0" bIns="0" anchor="ctr" anchorCtr="0">
+            <a:noAutofit/>
+          </a:bodyPr>
+          <a:lstStyle/>
+          <a:p>
+            <a:pPr marL="0" lvl="0" indent="0" algn="l" rtl="0">
+              <a:spcBef>
+                <a:spcPts val="0"/>
+              </a:spcBef>
+              <a:spcAft>
+                <a:spcPts val="0"/>
+              </a:spcAft>
+              <a:buNone/>
+            </a:pPr>
+            <a:r>
+              <a:rPr lang="ru-RU" dirty="0" smtClean="0">
+                <a:latin typeface="+mj-lt"/>
+              </a:rPr>
+              <a:t>Кластеризация компаний</a:t>
+            </a:r>
+            <a:endParaRPr dirty="0">
+              <a:latin typeface="+mj-lt"/>
+            </a:endParaRPr>
+          </a:p>
+        </p:txBody>
+      </p:sp>
+      <p:sp>
+        <p:nvSpPr>
+          <p:cNvPr id="226" name="Google Shape;226;p20"/>
+          <p:cNvSpPr txBox="1">
+            <a:spLocks noGrp="1"/>
+          </p:cNvSpPr>
+          <p:nvPr>
+            <p:ph type="body" idx="1"/>
+          </p:nvPr>
+        </p:nvSpPr>
+        <p:spPr>
+          <a:xfrm>
+            <a:off x="1188175" y="1374987"/>
+            <a:ext cx="6426300" cy="2971763"/>
+          </a:xfrm>
+          <a:prstGeom prst="rect">
+            <a:avLst/>
+          </a:prstGeom>
+        </p:spPr>
+        <p:txBody>
+          <a:bodyPr spcFirstLastPara="1" wrap="square" lIns="0" tIns="0" rIns="0" bIns="0" anchor="t" anchorCtr="0">
+            <a:noAutofit/>
+          </a:bodyPr>
+          <a:lstStyle/>
+          <a:p>
+            <a:pPr lvl="0">
+              <a:spcBef>
+                <a:spcPts val="1000"/>
+              </a:spcBef>
+            </a:pPr>
+            <a:r>
+              <a:rPr lang="ru-RU" dirty="0" smtClean="0">
+                <a:latin typeface="+mn-lt"/>
+              </a:rPr>
+              <a:t>Интерес для будущего исследования представляет кластеризация компаний на несколько кластеров</a:t>
+            </a:r>
+          </a:p>
+          <a:p>
+            <a:pPr lvl="0">
+              <a:spcBef>
+                <a:spcPts val="1000"/>
+              </a:spcBef>
+            </a:pPr>
+            <a:r>
+              <a:rPr lang="ru-RU" dirty="0">
+                <a:latin typeface="+mn-lt"/>
+              </a:rPr>
+              <a:t>Есть </a:t>
+            </a:r>
+            <a:r>
+              <a:rPr lang="ru-RU" dirty="0" smtClean="0">
+                <a:latin typeface="+mn-lt"/>
+              </a:rPr>
+              <a:t>видение, что </a:t>
+            </a:r>
+            <a:r>
+              <a:rPr lang="ru-RU" dirty="0">
+                <a:latin typeface="+mn-lt"/>
+              </a:rPr>
+              <a:t>при </a:t>
+            </a:r>
+            <a:r>
+              <a:rPr lang="ru-RU" dirty="0" smtClean="0">
+                <a:latin typeface="+mn-lt"/>
+              </a:rPr>
+              <a:t>кластеризации компаний мы </a:t>
+            </a:r>
+            <a:r>
+              <a:rPr lang="ru-RU" dirty="0">
+                <a:latin typeface="+mn-lt"/>
+              </a:rPr>
+              <a:t>сможем лучше предсказывать </a:t>
+            </a:r>
+            <a:r>
+              <a:rPr lang="ru-RU" dirty="0" smtClean="0">
+                <a:latin typeface="+mn-lt"/>
+              </a:rPr>
+              <a:t>просрочку, обучаясь внутри кластеров</a:t>
+            </a:r>
+          </a:p>
+          <a:p>
+            <a:pPr lvl="0">
+              <a:spcBef>
+                <a:spcPts val="1000"/>
+              </a:spcBef>
+            </a:pPr>
+            <a:r>
+              <a:rPr lang="ru-RU" dirty="0" smtClean="0">
+                <a:latin typeface="+mn-lt"/>
+              </a:rPr>
+              <a:t>Для кластеризация предполагается использовать алгоритм </a:t>
+            </a:r>
+            <a:r>
+              <a:rPr lang="en-US" dirty="0" err="1" smtClean="0">
+                <a:latin typeface="+mn-lt"/>
+              </a:rPr>
+              <a:t>DBScan</a:t>
+            </a:r>
+            <a:endParaRPr lang="ru-RU" dirty="0">
+              <a:latin typeface="+mn-lt"/>
+            </a:endParaRPr>
+          </a:p>
+        </p:txBody>
+      </p:sp>
+      <p:sp>
+        <p:nvSpPr>
+          <p:cNvPr id="227" name="Google Shape;227;p20"/>
+          <p:cNvSpPr txBox="1">
+            <a:spLocks noGrp="1"/>
+          </p:cNvSpPr>
+          <p:nvPr>
+            <p:ph type="sldNum" idx="12"/>
+          </p:nvPr>
+        </p:nvSpPr>
+        <p:spPr>
+          <a:xfrm>
+            <a:off x="8404375" y="4693376"/>
+            <a:ext cx="548700" cy="300300"/>
+          </a:xfrm>
+          <a:prstGeom prst="rect">
+            <a:avLst/>
+          </a:prstGeom>
+        </p:spPr>
+        <p:txBody>
+          <a:bodyPr spcFirstLastPara="1" wrap="square" lIns="0" tIns="0" rIns="0" bIns="0" anchor="ctr" anchorCtr="0">
+            <a:noAutofit/>
+          </a:bodyPr>
+          <a:lstStyle/>
+          <a:p>
+            <a:pPr marL="0" lvl="0" indent="0" algn="r" rtl="0">
+              <a:spcBef>
+                <a:spcPts val="0"/>
+              </a:spcBef>
+              <a:spcAft>
+                <a:spcPts val="0"/>
+              </a:spcAft>
+              <a:buNone/>
+            </a:pPr>
+            <a:fld id="{00000000-1234-1234-1234-123412341234}" type="slidenum">
+              <a:rPr lang="en"/>
+              <a:t>10</a:t>
+            </a:fld>
+            <a:endParaRPr/>
+          </a:p>
+        </p:txBody>
+      </p:sp>
+      <p:sp>
+        <p:nvSpPr>
+          <p:cNvPr id="7" name="Google Shape;258;p23"/>
+          <p:cNvSpPr/>
+          <p:nvPr/>
+        </p:nvSpPr>
+        <p:spPr>
+          <a:xfrm rot="864908">
+            <a:off x="7894513" y="3753336"/>
+            <a:ext cx="788952" cy="998941"/>
+          </a:xfrm>
+          <a:custGeom>
+            <a:avLst/>
+            <a:gdLst/>
+            <a:ahLst/>
+            <a:cxnLst/>
+            <a:rect l="l" t="t" r="r" b="b"/>
+            <a:pathLst>
+              <a:path w="374107" h="473680" extrusionOk="0">
+                <a:moveTo>
+                  <a:pt x="176658" y="66970"/>
+                </a:moveTo>
+                <a:cubicBezTo>
+                  <a:pt x="153572" y="67387"/>
+                  <a:pt x="129367" y="75192"/>
+                  <a:pt x="123381" y="100186"/>
+                </a:cubicBezTo>
+                <a:cubicBezTo>
+                  <a:pt x="121189" y="109526"/>
+                  <a:pt x="136185" y="110644"/>
+                  <a:pt x="138312" y="101743"/>
+                </a:cubicBezTo>
+                <a:cubicBezTo>
+                  <a:pt x="142170" y="85650"/>
+                  <a:pt x="160236" y="81660"/>
+                  <a:pt x="174400" y="81397"/>
+                </a:cubicBezTo>
+                <a:cubicBezTo>
+                  <a:pt x="183652" y="81221"/>
+                  <a:pt x="186458" y="66795"/>
+                  <a:pt x="176658" y="66970"/>
+                </a:cubicBezTo>
+                <a:close/>
+                <a:moveTo>
+                  <a:pt x="82580" y="302418"/>
+                </a:moveTo>
+                <a:cubicBezTo>
+                  <a:pt x="67276" y="334412"/>
+                  <a:pt x="51513" y="366168"/>
+                  <a:pt x="35288" y="397680"/>
+                </a:cubicBezTo>
+                <a:cubicBezTo>
+                  <a:pt x="30903" y="406450"/>
+                  <a:pt x="44935" y="411054"/>
+                  <a:pt x="49167" y="402832"/>
+                </a:cubicBezTo>
+                <a:cubicBezTo>
+                  <a:pt x="65390" y="371320"/>
+                  <a:pt x="81155" y="339573"/>
+                  <a:pt x="96458" y="307592"/>
+                </a:cubicBezTo>
+                <a:cubicBezTo>
+                  <a:pt x="100689" y="298778"/>
+                  <a:pt x="86592" y="294130"/>
+                  <a:pt x="82580" y="302418"/>
+                </a:cubicBezTo>
+                <a:close/>
+                <a:moveTo>
+                  <a:pt x="245501" y="19218"/>
+                </a:moveTo>
+                <a:cubicBezTo>
+                  <a:pt x="245369" y="19161"/>
+                  <a:pt x="245238" y="19118"/>
+                  <a:pt x="245085" y="19087"/>
+                </a:cubicBezTo>
+                <a:cubicBezTo>
+                  <a:pt x="245085" y="16399"/>
+                  <a:pt x="243549" y="13943"/>
+                  <a:pt x="241138" y="12773"/>
+                </a:cubicBezTo>
+                <a:cubicBezTo>
+                  <a:pt x="166156" y="-26692"/>
+                  <a:pt x="69008" y="30444"/>
+                  <a:pt x="51381" y="113626"/>
+                </a:cubicBezTo>
+                <a:cubicBezTo>
+                  <a:pt x="42304" y="163022"/>
+                  <a:pt x="74380" y="208230"/>
+                  <a:pt x="111038" y="236951"/>
+                </a:cubicBezTo>
+                <a:lnTo>
+                  <a:pt x="97883" y="263699"/>
+                </a:lnTo>
+                <a:cubicBezTo>
+                  <a:pt x="94836" y="262449"/>
+                  <a:pt x="91021" y="259797"/>
+                  <a:pt x="87819" y="261266"/>
+                </a:cubicBezTo>
+                <a:cubicBezTo>
+                  <a:pt x="84136" y="260213"/>
+                  <a:pt x="80211" y="261805"/>
+                  <a:pt x="78304" y="265124"/>
+                </a:cubicBezTo>
+                <a:cubicBezTo>
+                  <a:pt x="50109" y="316165"/>
+                  <a:pt x="22046" y="367424"/>
+                  <a:pt x="2117" y="422367"/>
+                </a:cubicBezTo>
+                <a:cubicBezTo>
+                  <a:pt x="78" y="424297"/>
+                  <a:pt x="-558" y="427291"/>
+                  <a:pt x="516" y="429887"/>
+                </a:cubicBezTo>
+                <a:cubicBezTo>
+                  <a:pt x="9724" y="453233"/>
+                  <a:pt x="31188" y="469492"/>
+                  <a:pt x="56160" y="472048"/>
+                </a:cubicBezTo>
+                <a:cubicBezTo>
+                  <a:pt x="58068" y="472278"/>
+                  <a:pt x="59975" y="471759"/>
+                  <a:pt x="61510" y="470601"/>
+                </a:cubicBezTo>
+                <a:cubicBezTo>
+                  <a:pt x="64229" y="474085"/>
+                  <a:pt x="69249" y="474705"/>
+                  <a:pt x="72735" y="471985"/>
+                </a:cubicBezTo>
+                <a:cubicBezTo>
+                  <a:pt x="73678" y="471255"/>
+                  <a:pt x="74446" y="470325"/>
+                  <a:pt x="74972" y="469264"/>
+                </a:cubicBezTo>
+                <a:cubicBezTo>
+                  <a:pt x="101413" y="411953"/>
+                  <a:pt x="127832" y="354649"/>
+                  <a:pt x="154251" y="297353"/>
+                </a:cubicBezTo>
+                <a:cubicBezTo>
+                  <a:pt x="155106" y="295702"/>
+                  <a:pt x="155216" y="293753"/>
+                  <a:pt x="154514" y="292026"/>
+                </a:cubicBezTo>
+                <a:cubicBezTo>
+                  <a:pt x="155785" y="285711"/>
+                  <a:pt x="148748" y="284462"/>
+                  <a:pt x="143968" y="282620"/>
+                </a:cubicBezTo>
+                <a:lnTo>
+                  <a:pt x="156224" y="259862"/>
+                </a:lnTo>
+                <a:cubicBezTo>
+                  <a:pt x="223357" y="279594"/>
+                  <a:pt x="292157" y="231360"/>
+                  <a:pt x="310551" y="162934"/>
+                </a:cubicBezTo>
+                <a:cubicBezTo>
+                  <a:pt x="327367" y="101633"/>
+                  <a:pt x="298010" y="40661"/>
+                  <a:pt x="245501" y="19218"/>
+                </a:cubicBezTo>
+                <a:close/>
+                <a:moveTo>
+                  <a:pt x="63089" y="459902"/>
+                </a:moveTo>
+                <a:cubicBezTo>
+                  <a:pt x="61883" y="458595"/>
+                  <a:pt x="60239" y="457808"/>
+                  <a:pt x="58463" y="457710"/>
+                </a:cubicBezTo>
+                <a:cubicBezTo>
+                  <a:pt x="39980" y="455815"/>
+                  <a:pt x="23887" y="444325"/>
+                  <a:pt x="16082" y="427476"/>
+                </a:cubicBezTo>
+                <a:cubicBezTo>
+                  <a:pt x="35266" y="374615"/>
+                  <a:pt x="61993" y="325154"/>
+                  <a:pt x="89091" y="276043"/>
+                </a:cubicBezTo>
+                <a:cubicBezTo>
+                  <a:pt x="105294" y="283512"/>
+                  <a:pt x="121781" y="290309"/>
+                  <a:pt x="138509" y="296433"/>
+                </a:cubicBezTo>
+                <a:cubicBezTo>
+                  <a:pt x="113296" y="350834"/>
+                  <a:pt x="88148" y="405288"/>
+                  <a:pt x="63089" y="459792"/>
+                </a:cubicBezTo>
+                <a:close/>
+                <a:moveTo>
+                  <a:pt x="130178" y="277380"/>
+                </a:moveTo>
+                <a:cubicBezTo>
+                  <a:pt x="123886" y="274909"/>
+                  <a:pt x="117637" y="272337"/>
+                  <a:pt x="111410" y="269663"/>
+                </a:cubicBezTo>
+                <a:lnTo>
+                  <a:pt x="123359" y="245304"/>
+                </a:lnTo>
+                <a:cubicBezTo>
+                  <a:pt x="129411" y="248983"/>
+                  <a:pt x="135725" y="252202"/>
+                  <a:pt x="142258" y="254929"/>
+                </a:cubicBezTo>
+                <a:close/>
+                <a:moveTo>
+                  <a:pt x="299106" y="143640"/>
+                </a:moveTo>
+                <a:cubicBezTo>
+                  <a:pt x="279813" y="255587"/>
+                  <a:pt x="162692" y="284221"/>
+                  <a:pt x="93016" y="196106"/>
+                </a:cubicBezTo>
+                <a:cubicBezTo>
+                  <a:pt x="78787" y="178917"/>
+                  <a:pt x="66816" y="157299"/>
+                  <a:pt x="65150" y="133204"/>
+                </a:cubicBezTo>
+                <a:cubicBezTo>
+                  <a:pt x="63417" y="108473"/>
+                  <a:pt x="76901" y="82252"/>
+                  <a:pt x="92226" y="63046"/>
+                </a:cubicBezTo>
+                <a:cubicBezTo>
+                  <a:pt x="128841" y="17267"/>
+                  <a:pt x="187861" y="4222"/>
+                  <a:pt x="234605" y="27966"/>
+                </a:cubicBezTo>
+                <a:cubicBezTo>
+                  <a:pt x="234451" y="30773"/>
+                  <a:pt x="236139" y="33353"/>
+                  <a:pt x="238770" y="34325"/>
+                </a:cubicBezTo>
+                <a:cubicBezTo>
+                  <a:pt x="279308" y="50768"/>
+                  <a:pt x="305333" y="95384"/>
+                  <a:pt x="299106" y="143487"/>
+                </a:cubicBezTo>
+                <a:close/>
+                <a:moveTo>
+                  <a:pt x="224147" y="44191"/>
+                </a:moveTo>
+                <a:cubicBezTo>
+                  <a:pt x="223576" y="44070"/>
+                  <a:pt x="223006" y="44011"/>
+                  <a:pt x="222414" y="44015"/>
+                </a:cubicBezTo>
+                <a:cubicBezTo>
+                  <a:pt x="167844" y="19043"/>
+                  <a:pt x="97751" y="45791"/>
+                  <a:pt x="88543" y="108736"/>
+                </a:cubicBezTo>
+                <a:cubicBezTo>
+                  <a:pt x="85780" y="129433"/>
+                  <a:pt x="93103" y="149538"/>
+                  <a:pt x="100865" y="168393"/>
+                </a:cubicBezTo>
+                <a:cubicBezTo>
+                  <a:pt x="117067" y="207704"/>
+                  <a:pt x="153790" y="235307"/>
+                  <a:pt x="197771" y="227831"/>
+                </a:cubicBezTo>
+                <a:cubicBezTo>
+                  <a:pt x="282904" y="214194"/>
+                  <a:pt x="321360" y="69535"/>
+                  <a:pt x="224147" y="44191"/>
+                </a:cubicBezTo>
+                <a:close/>
+                <a:moveTo>
+                  <a:pt x="265803" y="134936"/>
+                </a:moveTo>
+                <a:cubicBezTo>
+                  <a:pt x="252013" y="214588"/>
+                  <a:pt x="159666" y="248944"/>
+                  <a:pt x="117966" y="169555"/>
+                </a:cubicBezTo>
+                <a:cubicBezTo>
+                  <a:pt x="103386" y="138181"/>
+                  <a:pt x="95011" y="104395"/>
+                  <a:pt x="119106" y="75280"/>
+                </a:cubicBezTo>
+                <a:cubicBezTo>
+                  <a:pt x="143530" y="45857"/>
+                  <a:pt x="185318" y="43270"/>
+                  <a:pt x="218336" y="58310"/>
+                </a:cubicBezTo>
+                <a:cubicBezTo>
+                  <a:pt x="219762" y="58996"/>
+                  <a:pt x="221406" y="59165"/>
+                  <a:pt x="222941" y="58792"/>
+                </a:cubicBezTo>
+                <a:cubicBezTo>
+                  <a:pt x="256354" y="66619"/>
+                  <a:pt x="271218" y="103562"/>
+                  <a:pt x="265803" y="134871"/>
+                </a:cubicBezTo>
+                <a:close/>
+                <a:moveTo>
+                  <a:pt x="205927" y="69535"/>
+                </a:moveTo>
+                <a:cubicBezTo>
+                  <a:pt x="197574" y="65435"/>
+                  <a:pt x="191238" y="78809"/>
+                  <a:pt x="199964" y="83085"/>
+                </a:cubicBezTo>
+                <a:cubicBezTo>
+                  <a:pt x="208251" y="87163"/>
+                  <a:pt x="214697" y="73811"/>
+                  <a:pt x="205927" y="69535"/>
+                </a:cubicBezTo>
+                <a:close/>
+                <a:moveTo>
+                  <a:pt x="315550" y="67628"/>
+                </a:moveTo>
+                <a:cubicBezTo>
+                  <a:pt x="336050" y="108495"/>
+                  <a:pt x="341662" y="159996"/>
+                  <a:pt x="309586" y="196676"/>
+                </a:cubicBezTo>
+                <a:cubicBezTo>
+                  <a:pt x="303185" y="203999"/>
+                  <a:pt x="313971" y="213448"/>
+                  <a:pt x="320439" y="206103"/>
+                </a:cubicBezTo>
+                <a:cubicBezTo>
+                  <a:pt x="357141" y="164118"/>
+                  <a:pt x="351594" y="105974"/>
+                  <a:pt x="328069" y="59055"/>
+                </a:cubicBezTo>
+                <a:cubicBezTo>
+                  <a:pt x="323815" y="50614"/>
+                  <a:pt x="311428" y="59538"/>
+                  <a:pt x="315550" y="67628"/>
+                </a:cubicBezTo>
+                <a:close/>
+                <a:moveTo>
+                  <a:pt x="370953" y="127986"/>
+                </a:moveTo>
+                <a:cubicBezTo>
+                  <a:pt x="368169" y="118756"/>
+                  <a:pt x="354181" y="124347"/>
+                  <a:pt x="356856" y="133138"/>
+                </a:cubicBezTo>
+                <a:cubicBezTo>
+                  <a:pt x="362030" y="149417"/>
+                  <a:pt x="359531" y="167165"/>
+                  <a:pt x="350037" y="181372"/>
+                </a:cubicBezTo>
+                <a:cubicBezTo>
+                  <a:pt x="344666" y="189331"/>
+                  <a:pt x="355409" y="198912"/>
+                  <a:pt x="360999" y="190800"/>
+                </a:cubicBezTo>
+                <a:cubicBezTo>
+                  <a:pt x="373804" y="172506"/>
+                  <a:pt x="377465" y="149336"/>
+                  <a:pt x="370931" y="127986"/>
+                </a:cubicBezTo>
+                <a:close/>
+              </a:path>
+            </a:pathLst>
+          </a:custGeom>
+          <a:solidFill>
+            <a:schemeClr val="dk1"/>
+          </a:solidFill>
+          <a:ln>
+            <a:noFill/>
+          </a:ln>
+        </p:spPr>
+        <p:txBody>
+          <a:bodyPr spcFirstLastPara="1" wrap="square" lIns="91425" tIns="45700" rIns="91425" bIns="45700" anchor="ctr" anchorCtr="0">
+            <a:noAutofit/>
+          </a:bodyPr>
+          <a:lstStyle/>
+          <a:p>
+            <a:pPr marL="0" marR="0" lvl="0" indent="0" algn="l" rtl="0">
+              <a:spcBef>
+                <a:spcPts val="0"/>
+              </a:spcBef>
+              <a:spcAft>
+                <a:spcPts val="0"/>
+              </a:spcAft>
+              <a:buNone/>
+            </a:pPr>
+            <a:endParaRPr sz="1800">
+              <a:solidFill>
+                <a:srgbClr val="000000"/>
+              </a:solidFill>
+              <a:latin typeface="Calibri"/>
+              <a:ea typeface="Calibri"/>
+              <a:cs typeface="Calibri"/>
+              <a:sym typeface="Calibri"/>
+            </a:endParaRPr>
+          </a:p>
+        </p:txBody>
+      </p:sp>
+    </p:spTree>
+    <p:extLst>
+      <p:ext uri="{BB962C8B-B14F-4D97-AF65-F5344CB8AC3E}">
+        <p14:creationId xmlns:p14="http://schemas.microsoft.com/office/powerpoint/2010/main" val="2948085662"/>
+      </p:ext>
+    </p:extLst>
+  </p:cSld>
+  <p:clrMapOvr>
+    <a:masterClrMapping/>
+  </p:clrMapOvr>
+</p:sld>
+</file>
+
+<file path=ppt/slides/slide11.xml><?xml version="1.0" encoding="utf-8"?>
+<p:sld xmlns:a="http://schemas.openxmlformats.org/drawingml/2006/main" xmlns:r="http://schemas.openxmlformats.org/officeDocument/2006/relationships" xmlns:p="http://schemas.openxmlformats.org/presentationml/2006/main">
+  <p:cSld>
+    <p:spTree>
+      <p:nvGrpSpPr>
         <p:cNvPr id="1" name="Shape 197"/>
         <p:cNvGrpSpPr/>
         <p:nvPr/>
@@ -9435,7 +10166,7 @@
             </a:pPr>
             <a:fld id="{00000000-1234-1234-1234-123412341234}" type="slidenum">
               <a:rPr lang="en"/>
-              <a:t>10</a:t>
+              <a:t>11</a:t>
             </a:fld>
             <a:endParaRPr/>
           </a:p>
@@ -10697,7 +11428,7 @@
 </p:sld>
 </file>
 
-<file path=ppt/slides/slide11.xml><?xml version="1.0" encoding="utf-8"?>
+<file path=ppt/slides/slide12.xml><?xml version="1.0" encoding="utf-8"?>
 <p:sld xmlns:a="http://schemas.openxmlformats.org/drawingml/2006/main" xmlns:r="http://schemas.openxmlformats.org/officeDocument/2006/relationships" xmlns:p="http://schemas.openxmlformats.org/presentationml/2006/main">
   <p:cSld>
     <p:spTree>
@@ -10891,7 +11622,7 @@
             </a:pPr>
             <a:fld id="{00000000-1234-1234-1234-123412341234}" type="slidenum">
               <a:rPr lang="en"/>
-              <a:t>11</a:t>
+              <a:t>12</a:t>
             </a:fld>
             <a:endParaRPr/>
           </a:p>
@@ -21278,8 +22009,8 @@
         </p:nvSpPr>
         <p:spPr>
           <a:xfrm>
-            <a:off x="883375" y="683599"/>
-            <a:ext cx="6426300" cy="409823"/>
+            <a:off x="883375" y="683600"/>
+            <a:ext cx="6426300" cy="396300"/>
           </a:xfrm>
           <a:prstGeom prst="rect">
             <a:avLst/>
@@ -21304,7 +22035,7 @@
               <a:rPr lang="ru-RU" dirty="0" smtClean="0">
                 <a:latin typeface="+mj-lt"/>
               </a:rPr>
-              <a:t>Кластеризация компаний</a:t>
+              <a:t>Качество предсказания с новыми признаками </a:t>
             </a:r>
             <a:endParaRPr dirty="0">
               <a:latin typeface="+mj-lt"/>
@@ -21324,8 +22055,8 @@
         </p:nvSpPr>
         <p:spPr>
           <a:xfrm>
-            <a:off x="1188175" y="1374987"/>
-            <a:ext cx="6426300" cy="2971763"/>
+            <a:off x="883375" y="1517228"/>
+            <a:ext cx="7521000" cy="2829522"/>
           </a:xfrm>
           <a:prstGeom prst="rect">
             <a:avLst/>
@@ -21337,17 +22068,132 @@
           </a:bodyPr>
           <a:lstStyle/>
           <a:p>
-            <a:pPr lvl="0">
+            <a:r>
+              <a:rPr lang="ru-RU" b="1" dirty="0">
+                <a:latin typeface="+mn-lt"/>
+              </a:rPr>
+              <a:t>Подсчитываем точность по классификации ПДЗ [0, 1-30, 31-90, 91-365</a:t>
+            </a:r>
+            <a:r>
+              <a:rPr lang="ru-RU" b="1" dirty="0" smtClean="0">
+                <a:latin typeface="+mn-lt"/>
+              </a:rPr>
+              <a:t>]</a:t>
+            </a:r>
+            <a:r>
+              <a:rPr lang="en-US" dirty="0" smtClean="0">
+                <a:latin typeface="+mn-lt"/>
+              </a:rPr>
+              <a:t>: </a:t>
+            </a:r>
+            <a:endParaRPr lang="en-US" dirty="0" smtClean="0">
+              <a:latin typeface="+mn-lt"/>
+            </a:endParaRPr>
+          </a:p>
+          <a:p>
+            <a:pPr lvl="1">
               <a:spcBef>
-                <a:spcPts val="1000"/>
+                <a:spcPts val="0"/>
               </a:spcBef>
             </a:pPr>
             <a:r>
-              <a:rPr lang="ru-RU" dirty="0" smtClean="0">
+              <a:rPr lang="en-US" dirty="0" smtClean="0">
                 <a:latin typeface="+mn-lt"/>
               </a:rPr>
-              <a:t>Интерес для будущего исследования представляет кластеризация компаний на несколько кластеров</a:t>
+              <a:t>Accuracy </a:t>
             </a:r>
+            <a:r>
+              <a:rPr lang="en-US" dirty="0">
+                <a:latin typeface="+mn-lt"/>
+              </a:rPr>
+              <a:t>of </a:t>
+            </a:r>
+            <a:r>
+              <a:rPr lang="en-US" dirty="0" smtClean="0">
+                <a:latin typeface="+mn-lt"/>
+              </a:rPr>
+              <a:t>train </a:t>
+            </a:r>
+            <a:r>
+              <a:rPr lang="en-US" dirty="0">
+                <a:latin typeface="+mn-lt"/>
+              </a:rPr>
+              <a:t>prediction is</a:t>
+            </a:r>
+            <a:r>
+              <a:rPr lang="en-US" dirty="0" smtClean="0">
+                <a:latin typeface="+mn-lt"/>
+              </a:rPr>
+              <a:t>: </a:t>
+            </a:r>
+            <a:r>
+              <a:rPr lang="en-US" b="1" dirty="0" smtClean="0">
+                <a:latin typeface="+mn-lt"/>
+              </a:rPr>
+              <a:t>93.798%</a:t>
+            </a:r>
+            <a:endParaRPr lang="en-US" b="1" dirty="0" smtClean="0">
+              <a:latin typeface="+mn-lt"/>
+            </a:endParaRPr>
+          </a:p>
+          <a:p>
+            <a:pPr lvl="1">
+              <a:spcBef>
+                <a:spcPts val="0"/>
+              </a:spcBef>
+            </a:pPr>
+            <a:r>
+              <a:rPr lang="en-US" dirty="0" smtClean="0">
+                <a:latin typeface="Calibri" panose="020F0502020204030204" pitchFamily="34" charset="0"/>
+                <a:cs typeface="Calibri" panose="020F0502020204030204" pitchFamily="34" charset="0"/>
+              </a:rPr>
+              <a:t>Accuracy </a:t>
+            </a:r>
+            <a:r>
+              <a:rPr lang="en-US" dirty="0">
+                <a:latin typeface="Calibri" panose="020F0502020204030204" pitchFamily="34" charset="0"/>
+                <a:cs typeface="Calibri" panose="020F0502020204030204" pitchFamily="34" charset="0"/>
+              </a:rPr>
+              <a:t>of test prediction is: </a:t>
+            </a:r>
+            <a:r>
+              <a:rPr lang="ru-RU" b="1" dirty="0" smtClean="0">
+                <a:latin typeface="Calibri" panose="020F0502020204030204" pitchFamily="34" charset="0"/>
+                <a:cs typeface="Calibri" panose="020F0502020204030204" pitchFamily="34" charset="0"/>
+              </a:rPr>
+              <a:t>89</a:t>
+            </a:r>
+            <a:r>
+              <a:rPr lang="en-US" b="1" dirty="0" smtClean="0">
+                <a:latin typeface="Calibri" panose="020F0502020204030204" pitchFamily="34" charset="0"/>
+                <a:cs typeface="Calibri" panose="020F0502020204030204" pitchFamily="34" charset="0"/>
+              </a:rPr>
+              <a:t>.</a:t>
+            </a:r>
+            <a:r>
+              <a:rPr lang="ru-RU" b="1" dirty="0" smtClean="0">
+                <a:latin typeface="Calibri" panose="020F0502020204030204" pitchFamily="34" charset="0"/>
+                <a:cs typeface="Calibri" panose="020F0502020204030204" pitchFamily="34" charset="0"/>
+              </a:rPr>
+              <a:t>147</a:t>
+            </a:r>
+            <a:r>
+              <a:rPr lang="en-US" b="1" dirty="0" smtClean="0">
+                <a:latin typeface="Calibri" panose="020F0502020204030204" pitchFamily="34" charset="0"/>
+                <a:cs typeface="Calibri" panose="020F0502020204030204" pitchFamily="34" charset="0"/>
+              </a:rPr>
+              <a:t>%</a:t>
+            </a:r>
+            <a:endParaRPr lang="en-US" b="1" dirty="0">
+              <a:latin typeface="Calibri" panose="020F0502020204030204" pitchFamily="34" charset="0"/>
+              <a:cs typeface="Calibri" panose="020F0502020204030204" pitchFamily="34" charset="0"/>
+            </a:endParaRPr>
+          </a:p>
+          <a:p>
+            <a:pPr lvl="1"/>
+            <a:endParaRPr lang="en-US" b="1" dirty="0" smtClean="0">
+              <a:latin typeface="+mn-lt"/>
+            </a:endParaRPr>
           </a:p>
           <a:p>
             <a:pPr lvl="0">
@@ -21355,62 +22201,7 @@
                 <a:spcPts val="1000"/>
               </a:spcBef>
             </a:pPr>
-            <a:r>
-              <a:rPr lang="ru-RU" dirty="0">
-                <a:latin typeface="+mn-lt"/>
-              </a:rPr>
-              <a:t>Есть </a:t>
-            </a:r>
-            <a:r>
-              <a:rPr lang="ru-RU" dirty="0" smtClean="0">
-                <a:latin typeface="+mn-lt"/>
-              </a:rPr>
-              <a:t>видение, что </a:t>
-            </a:r>
-            <a:r>
-              <a:rPr lang="ru-RU" dirty="0">
-                <a:latin typeface="+mn-lt"/>
-              </a:rPr>
-              <a:t>при </a:t>
-            </a:r>
-            <a:r>
-              <a:rPr lang="ru-RU" dirty="0" smtClean="0">
-                <a:latin typeface="+mn-lt"/>
-              </a:rPr>
-              <a:t>кластеризации компаний мы </a:t>
-            </a:r>
-            <a:r>
-              <a:rPr lang="ru-RU" dirty="0">
-                <a:latin typeface="+mn-lt"/>
-              </a:rPr>
-              <a:t>сможем лучше предсказывать </a:t>
-            </a:r>
-            <a:r>
-              <a:rPr lang="ru-RU" dirty="0" smtClean="0">
-                <a:latin typeface="+mn-lt"/>
-              </a:rPr>
-              <a:t>просрочку, обучаясь внутри кластеров</a:t>
-            </a:r>
-          </a:p>
-          <a:p>
-            <a:pPr lvl="0">
-              <a:spcBef>
-                <a:spcPts val="1000"/>
-              </a:spcBef>
-            </a:pPr>
-            <a:r>
-              <a:rPr lang="ru-RU" dirty="0" smtClean="0">
-                <a:latin typeface="+mn-lt"/>
-              </a:rPr>
-              <a:t>Для кластеризация предполагается использовать алгоритм </a:t>
-            </a:r>
-            <a:r>
-              <a:rPr lang="en-US" dirty="0" err="1" smtClean="0">
-                <a:latin typeface="+mn-lt"/>
-              </a:rPr>
-              <a:t>DBScan</a:t>
-            </a:r>
-            <a:endParaRPr lang="ru-RU" dirty="0">
+            <a:endParaRPr lang="en-US" b="1" dirty="0">
               <a:latin typeface="+mn-lt"/>
             </a:endParaRPr>
           </a:p>
@@ -21460,14 +22251,14 @@
       </p:sp>
       <p:sp>
         <p:nvSpPr>
-          <p:cNvPr id="7" name="Google Shape;258;p23"/>
+          <p:cNvPr id="228" name="Google Shape;228;p20"/>
           <p:cNvSpPr/>
           <p:nvPr/>
         </p:nvSpPr>
         <p:spPr>
-          <a:xfrm rot="864908">
-            <a:off x="7894513" y="3753336"/>
-            <a:ext cx="788952" cy="998941"/>
+          <a:xfrm>
+            <a:off x="7648493" y="3814898"/>
+            <a:ext cx="937597" cy="835429"/>
           </a:xfrm>
           <a:custGeom>
             <a:avLst/>
@@ -21476,348 +22267,364 @@
             <a:cxnLst/>
             <a:rect l="l" t="t" r="r" b="b"/>
             <a:pathLst>
-              <a:path w="374107" h="473680" extrusionOk="0">
+              <a:path w="444359" h="395938" extrusionOk="0">
                 <a:moveTo>
-                  <a:pt x="176658" y="66970"/>
+                  <a:pt x="135136" y="205311"/>
                 </a:moveTo>
-                <a:cubicBezTo>
-                  <a:pt x="153572" y="67387"/>
-                  <a:pt x="129367" y="75192"/>
-                  <a:pt x="123381" y="100186"/>
-                </a:cubicBezTo>
-                <a:cubicBezTo>
-                  <a:pt x="121189" y="109526"/>
-                  <a:pt x="136185" y="110644"/>
-                  <a:pt x="138312" y="101743"/>
-                </a:cubicBezTo>
-                <a:cubicBezTo>
-                  <a:pt x="142170" y="85650"/>
-                  <a:pt x="160236" y="81660"/>
-                  <a:pt x="174400" y="81397"/>
-                </a:cubicBezTo>
-                <a:cubicBezTo>
-                  <a:pt x="183652" y="81221"/>
-                  <a:pt x="186458" y="66795"/>
-                  <a:pt x="176658" y="66970"/>
+                <a:lnTo>
+                  <a:pt x="101482" y="200356"/>
+                </a:lnTo>
+                <a:cubicBezTo>
+                  <a:pt x="92405" y="199041"/>
+                  <a:pt x="88788" y="213642"/>
+                  <a:pt x="98347" y="215046"/>
+                </a:cubicBezTo>
+                <a:lnTo>
+                  <a:pt x="132067" y="220001"/>
+                </a:lnTo>
+                <a:cubicBezTo>
+                  <a:pt x="141056" y="221316"/>
+                  <a:pt x="144673" y="206714"/>
+                  <a:pt x="135136" y="205311"/>
                 </a:cubicBezTo>
                 <a:close/>
                 <a:moveTo>
-                  <a:pt x="82580" y="302418"/>
+                  <a:pt x="293388" y="291650"/>
                 </a:moveTo>
                 <a:cubicBezTo>
-                  <a:pt x="67276" y="334412"/>
-                  <a:pt x="51513" y="366168"/>
-                  <a:pt x="35288" y="397680"/>
-                </a:cubicBezTo>
-                <a:cubicBezTo>
-                  <a:pt x="30903" y="406450"/>
-                  <a:pt x="44935" y="411054"/>
-                  <a:pt x="49167" y="402832"/>
-                </a:cubicBezTo>
-                <a:cubicBezTo>
-                  <a:pt x="65390" y="371320"/>
-                  <a:pt x="81155" y="339573"/>
-                  <a:pt x="96458" y="307592"/>
-                </a:cubicBezTo>
-                <a:cubicBezTo>
-                  <a:pt x="100689" y="298778"/>
-                  <a:pt x="86592" y="294130"/>
-                  <a:pt x="82580" y="302418"/>
+                  <a:pt x="292554" y="295482"/>
+                  <a:pt x="294966" y="299271"/>
+                  <a:pt x="298803" y="300115"/>
+                </a:cubicBezTo>
+                <a:cubicBezTo>
+                  <a:pt x="298869" y="300130"/>
+                  <a:pt x="298935" y="300144"/>
+                  <a:pt x="299001" y="300157"/>
+                </a:cubicBezTo>
+                <a:cubicBezTo>
+                  <a:pt x="299373" y="300157"/>
+                  <a:pt x="300711" y="300157"/>
+                  <a:pt x="300930" y="300551"/>
+                </a:cubicBezTo>
+                <a:cubicBezTo>
+                  <a:pt x="299921" y="300222"/>
+                  <a:pt x="299790" y="300201"/>
+                  <a:pt x="300535" y="300551"/>
+                </a:cubicBezTo>
+                <a:cubicBezTo>
+                  <a:pt x="301280" y="300902"/>
+                  <a:pt x="301456" y="300924"/>
+                  <a:pt x="302267" y="301297"/>
+                </a:cubicBezTo>
+                <a:lnTo>
+                  <a:pt x="302377" y="301297"/>
+                </a:lnTo>
+                <a:cubicBezTo>
+                  <a:pt x="309919" y="308335"/>
+                  <a:pt x="320267" y="297416"/>
+                  <a:pt x="313142" y="290335"/>
+                </a:cubicBezTo>
+                <a:cubicBezTo>
+                  <a:pt x="307573" y="285621"/>
+                  <a:pt x="295756" y="281894"/>
+                  <a:pt x="293388" y="291650"/>
                 </a:cubicBezTo>
                 <a:close/>
                 <a:moveTo>
-                  <a:pt x="245501" y="19218"/>
+                  <a:pt x="285999" y="274110"/>
                 </a:moveTo>
                 <a:cubicBezTo>
-                  <a:pt x="245369" y="19161"/>
-                  <a:pt x="245238" y="19118"/>
-                  <a:pt x="245085" y="19087"/>
-                </a:cubicBezTo>
-                <a:cubicBezTo>
-                  <a:pt x="245085" y="16399"/>
-                  <a:pt x="243549" y="13943"/>
-                  <a:pt x="241138" y="12773"/>
-                </a:cubicBezTo>
-                <a:cubicBezTo>
-                  <a:pt x="166156" y="-26692"/>
-                  <a:pt x="69008" y="30444"/>
-                  <a:pt x="51381" y="113626"/>
-                </a:cubicBezTo>
-                <a:cubicBezTo>
-                  <a:pt x="42304" y="163022"/>
-                  <a:pt x="74380" y="208230"/>
-                  <a:pt x="111038" y="236951"/>
-                </a:cubicBezTo>
-                <a:lnTo>
-                  <a:pt x="97883" y="263699"/>
-                </a:lnTo>
-                <a:cubicBezTo>
-                  <a:pt x="94836" y="262449"/>
-                  <a:pt x="91021" y="259797"/>
-                  <a:pt x="87819" y="261266"/>
-                </a:cubicBezTo>
-                <a:cubicBezTo>
-                  <a:pt x="84136" y="260213"/>
-                  <a:pt x="80211" y="261805"/>
-                  <a:pt x="78304" y="265124"/>
-                </a:cubicBezTo>
-                <a:cubicBezTo>
-                  <a:pt x="50109" y="316165"/>
-                  <a:pt x="22046" y="367424"/>
-                  <a:pt x="2117" y="422367"/>
-                </a:cubicBezTo>
-                <a:cubicBezTo>
-                  <a:pt x="78" y="424297"/>
-                  <a:pt x="-558" y="427291"/>
-                  <a:pt x="516" y="429887"/>
-                </a:cubicBezTo>
-                <a:cubicBezTo>
-                  <a:pt x="9724" y="453233"/>
-                  <a:pt x="31188" y="469492"/>
-                  <a:pt x="56160" y="472048"/>
-                </a:cubicBezTo>
-                <a:cubicBezTo>
-                  <a:pt x="58068" y="472278"/>
-                  <a:pt x="59975" y="471759"/>
-                  <a:pt x="61510" y="470601"/>
-                </a:cubicBezTo>
-                <a:cubicBezTo>
-                  <a:pt x="64229" y="474085"/>
-                  <a:pt x="69249" y="474705"/>
-                  <a:pt x="72735" y="471985"/>
-                </a:cubicBezTo>
-                <a:cubicBezTo>
-                  <a:pt x="73678" y="471255"/>
-                  <a:pt x="74446" y="470325"/>
-                  <a:pt x="74972" y="469264"/>
-                </a:cubicBezTo>
-                <a:cubicBezTo>
-                  <a:pt x="101413" y="411953"/>
-                  <a:pt x="127832" y="354649"/>
-                  <a:pt x="154251" y="297353"/>
-                </a:cubicBezTo>
-                <a:cubicBezTo>
-                  <a:pt x="155106" y="295702"/>
-                  <a:pt x="155216" y="293753"/>
-                  <a:pt x="154514" y="292026"/>
-                </a:cubicBezTo>
-                <a:cubicBezTo>
-                  <a:pt x="155785" y="285711"/>
-                  <a:pt x="148748" y="284462"/>
-                  <a:pt x="143968" y="282620"/>
-                </a:cubicBezTo>
-                <a:lnTo>
-                  <a:pt x="156224" y="259862"/>
-                </a:lnTo>
-                <a:cubicBezTo>
-                  <a:pt x="223357" y="279594"/>
-                  <a:pt x="292157" y="231360"/>
-                  <a:pt x="310551" y="162934"/>
-                </a:cubicBezTo>
-                <a:cubicBezTo>
-                  <a:pt x="327367" y="101633"/>
-                  <a:pt x="298010" y="40661"/>
-                  <a:pt x="245501" y="19218"/>
+                  <a:pt x="269973" y="263589"/>
+                  <a:pt x="253310" y="254069"/>
+                  <a:pt x="236099" y="245608"/>
+                </a:cubicBezTo>
+                <a:cubicBezTo>
+                  <a:pt x="227833" y="241530"/>
+                  <a:pt x="220752" y="255014"/>
+                  <a:pt x="229346" y="259180"/>
+                </a:cubicBezTo>
+                <a:cubicBezTo>
+                  <a:pt x="245439" y="267053"/>
+                  <a:pt x="261027" y="275919"/>
+                  <a:pt x="276002" y="285730"/>
+                </a:cubicBezTo>
+                <a:cubicBezTo>
+                  <a:pt x="283697" y="290576"/>
+                  <a:pt x="293738" y="279109"/>
+                  <a:pt x="285999" y="274023"/>
                 </a:cubicBezTo>
                 <a:close/>
                 <a:moveTo>
-                  <a:pt x="63089" y="459902"/>
+                  <a:pt x="433354" y="1544"/>
                 </a:moveTo>
                 <a:cubicBezTo>
-                  <a:pt x="61883" y="458595"/>
-                  <a:pt x="60239" y="457808"/>
-                  <a:pt x="58463" y="457710"/>
-                </a:cubicBezTo>
-                <a:cubicBezTo>
-                  <a:pt x="39980" y="455815"/>
-                  <a:pt x="23887" y="444325"/>
-                  <a:pt x="16082" y="427476"/>
-                </a:cubicBezTo>
-                <a:cubicBezTo>
-                  <a:pt x="35266" y="374615"/>
-                  <a:pt x="61993" y="325154"/>
-                  <a:pt x="89091" y="276043"/>
-                </a:cubicBezTo>
-                <a:cubicBezTo>
-                  <a:pt x="105294" y="283512"/>
-                  <a:pt x="121781" y="290309"/>
-                  <a:pt x="138509" y="296433"/>
-                </a:cubicBezTo>
-                <a:cubicBezTo>
-                  <a:pt x="113296" y="350834"/>
-                  <a:pt x="88148" y="405288"/>
-                  <a:pt x="63089" y="459792"/>
+                  <a:pt x="431162" y="3057"/>
+                  <a:pt x="428970" y="4482"/>
+                  <a:pt x="426908" y="5929"/>
+                </a:cubicBezTo>
+                <a:cubicBezTo>
+                  <a:pt x="425220" y="5833"/>
+                  <a:pt x="423554" y="6381"/>
+                  <a:pt x="422239" y="7464"/>
+                </a:cubicBezTo>
+                <a:cubicBezTo>
+                  <a:pt x="417854" y="10840"/>
+                  <a:pt x="413469" y="14261"/>
+                  <a:pt x="408952" y="17659"/>
+                </a:cubicBezTo>
+                <a:cubicBezTo>
+                  <a:pt x="315904" y="75803"/>
+                  <a:pt x="209197" y="106563"/>
+                  <a:pt x="111195" y="154928"/>
+                </a:cubicBezTo>
+                <a:cubicBezTo>
+                  <a:pt x="93853" y="163501"/>
+                  <a:pt x="76773" y="172622"/>
+                  <a:pt x="60089" y="182400"/>
+                </a:cubicBezTo>
+                <a:cubicBezTo>
+                  <a:pt x="42549" y="192748"/>
+                  <a:pt x="25141" y="203184"/>
+                  <a:pt x="5146" y="208249"/>
+                </a:cubicBezTo>
+                <a:cubicBezTo>
+                  <a:pt x="-1804" y="210003"/>
+                  <a:pt x="-1147" y="218532"/>
+                  <a:pt x="3743" y="221404"/>
+                </a:cubicBezTo>
+                <a:cubicBezTo>
+                  <a:pt x="4707" y="222430"/>
+                  <a:pt x="5979" y="223140"/>
+                  <a:pt x="7360" y="223443"/>
+                </a:cubicBezTo>
+                <a:cubicBezTo>
+                  <a:pt x="52371" y="234230"/>
+                  <a:pt x="97777" y="242999"/>
+                  <a:pt x="143621" y="249752"/>
+                </a:cubicBezTo>
+                <a:lnTo>
+                  <a:pt x="143117" y="384961"/>
+                </a:lnTo>
+                <a:cubicBezTo>
+                  <a:pt x="142854" y="387829"/>
+                  <a:pt x="144717" y="390464"/>
+                  <a:pt x="147502" y="391166"/>
+                </a:cubicBezTo>
+                <a:cubicBezTo>
+                  <a:pt x="148620" y="393251"/>
+                  <a:pt x="150615" y="394717"/>
+                  <a:pt x="152939" y="395156"/>
+                </a:cubicBezTo>
+                <a:cubicBezTo>
+                  <a:pt x="155855" y="396721"/>
+                  <a:pt x="159473" y="395875"/>
+                  <a:pt x="161402" y="393183"/>
+                </a:cubicBezTo>
+                <a:cubicBezTo>
+                  <a:pt x="187777" y="361278"/>
+                  <a:pt x="215797" y="330777"/>
+                  <a:pt x="245351" y="301801"/>
+                </a:cubicBezTo>
+                <a:cubicBezTo>
+                  <a:pt x="266464" y="313914"/>
+                  <a:pt x="286394" y="328001"/>
+                  <a:pt x="304854" y="343874"/>
+                </a:cubicBezTo>
+                <a:cubicBezTo>
+                  <a:pt x="316496" y="353850"/>
+                  <a:pt x="331712" y="356854"/>
+                  <a:pt x="343266" y="366413"/>
+                </a:cubicBezTo>
+                <a:cubicBezTo>
+                  <a:pt x="346533" y="371170"/>
+                  <a:pt x="355500" y="370798"/>
+                  <a:pt x="356553" y="363519"/>
+                </a:cubicBezTo>
+                <a:cubicBezTo>
+                  <a:pt x="373083" y="243175"/>
+                  <a:pt x="405510" y="125528"/>
+                  <a:pt x="443593" y="10753"/>
+                </a:cubicBezTo>
+                <a:cubicBezTo>
+                  <a:pt x="446618" y="4679"/>
+                  <a:pt x="440173" y="-3323"/>
+                  <a:pt x="433354" y="1457"/>
                 </a:cubicBezTo>
                 <a:close/>
                 <a:moveTo>
-                  <a:pt x="130178" y="277380"/>
+                  <a:pt x="144959" y="232695"/>
                 </a:moveTo>
                 <a:cubicBezTo>
-                  <a:pt x="123886" y="274909"/>
-                  <a:pt x="117637" y="272337"/>
-                  <a:pt x="111410" y="269663"/>
-                </a:cubicBezTo>
-                <a:lnTo>
-                  <a:pt x="123359" y="245304"/>
-                </a:lnTo>
-                <a:cubicBezTo>
-                  <a:pt x="129411" y="248983"/>
-                  <a:pt x="135725" y="252202"/>
-                  <a:pt x="142258" y="254929"/>
+                  <a:pt x="144345" y="233234"/>
+                  <a:pt x="143819" y="233863"/>
+                  <a:pt x="143380" y="234558"/>
+                </a:cubicBezTo>
+                <a:cubicBezTo>
+                  <a:pt x="106218" y="229033"/>
+                  <a:pt x="69319" y="222164"/>
+                  <a:pt x="32639" y="213949"/>
+                </a:cubicBezTo>
+                <a:cubicBezTo>
+                  <a:pt x="52744" y="204895"/>
+                  <a:pt x="71358" y="192134"/>
+                  <a:pt x="90652" y="181720"/>
+                </a:cubicBezTo>
+                <a:cubicBezTo>
+                  <a:pt x="170610" y="138682"/>
+                  <a:pt x="257497" y="110816"/>
+                  <a:pt x="339320" y="71856"/>
+                </a:cubicBezTo>
+                <a:cubicBezTo>
+                  <a:pt x="273370" y="123978"/>
+                  <a:pt x="208584" y="177592"/>
+                  <a:pt x="144959" y="232695"/>
                 </a:cubicBezTo>
                 <a:close/>
                 <a:moveTo>
-                  <a:pt x="299106" y="143640"/>
+                  <a:pt x="157938" y="358827"/>
                 </a:moveTo>
-                <a:cubicBezTo>
-                  <a:pt x="279813" y="255587"/>
-                  <a:pt x="162692" y="284221"/>
-                  <a:pt x="93016" y="196106"/>
-                </a:cubicBezTo>
-                <a:cubicBezTo>
-                  <a:pt x="78787" y="178917"/>
-                  <a:pt x="66816" y="157299"/>
-                  <a:pt x="65150" y="133204"/>
-                </a:cubicBezTo>
-                <a:cubicBezTo>
-                  <a:pt x="63417" y="108473"/>
-                  <a:pt x="76901" y="82252"/>
-                  <a:pt x="92226" y="63046"/>
-                </a:cubicBezTo>
-                <a:cubicBezTo>
-                  <a:pt x="128841" y="17267"/>
-                  <a:pt x="187861" y="4222"/>
-                  <a:pt x="234605" y="27966"/>
-                </a:cubicBezTo>
-                <a:cubicBezTo>
-                  <a:pt x="234451" y="30773"/>
-                  <a:pt x="236139" y="33353"/>
-                  <a:pt x="238770" y="34325"/>
-                </a:cubicBezTo>
-                <a:cubicBezTo>
-                  <a:pt x="279308" y="50768"/>
-                  <a:pt x="305333" y="95384"/>
-                  <a:pt x="299106" y="143487"/>
+                <a:lnTo>
+                  <a:pt x="158376" y="242429"/>
+                </a:lnTo>
+                <a:cubicBezTo>
+                  <a:pt x="158376" y="241688"/>
+                  <a:pt x="158267" y="240949"/>
+                  <a:pt x="158070" y="240237"/>
+                </a:cubicBezTo>
+                <a:cubicBezTo>
+                  <a:pt x="232788" y="175691"/>
+                  <a:pt x="309152" y="113147"/>
+                  <a:pt x="387181" y="52607"/>
+                </a:cubicBezTo>
+                <a:lnTo>
+                  <a:pt x="297159" y="137213"/>
+                </a:lnTo>
+                <a:cubicBezTo>
+                  <a:pt x="259098" y="172972"/>
+                  <a:pt x="217024" y="207372"/>
+                  <a:pt x="189531" y="252405"/>
+                </a:cubicBezTo>
+                <a:cubicBezTo>
+                  <a:pt x="188216" y="254240"/>
+                  <a:pt x="188018" y="256658"/>
+                  <a:pt x="189049" y="258675"/>
+                </a:cubicBezTo>
+                <a:cubicBezTo>
+                  <a:pt x="189356" y="259691"/>
+                  <a:pt x="189882" y="260620"/>
+                  <a:pt x="190605" y="261394"/>
+                </a:cubicBezTo>
+                <a:cubicBezTo>
+                  <a:pt x="181222" y="294369"/>
+                  <a:pt x="170325" y="326817"/>
+                  <a:pt x="157938" y="358739"/>
                 </a:cubicBezTo>
                 <a:close/>
                 <a:moveTo>
-                  <a:pt x="224147" y="44191"/>
+                  <a:pt x="174535" y="355801"/>
                 </a:moveTo>
                 <a:cubicBezTo>
-                  <a:pt x="223576" y="44070"/>
-                  <a:pt x="223006" y="44011"/>
-                  <a:pt x="222414" y="44015"/>
-                </a:cubicBezTo>
-                <a:cubicBezTo>
-                  <a:pt x="167844" y="19043"/>
-                  <a:pt x="97751" y="45791"/>
-                  <a:pt x="88543" y="108736"/>
-                </a:cubicBezTo>
-                <a:cubicBezTo>
-                  <a:pt x="85780" y="129433"/>
-                  <a:pt x="93103" y="149538"/>
-                  <a:pt x="100865" y="168393"/>
-                </a:cubicBezTo>
-                <a:cubicBezTo>
-                  <a:pt x="117067" y="207704"/>
-                  <a:pt x="153790" y="235307"/>
-                  <a:pt x="197771" y="227831"/>
-                </a:cubicBezTo>
-                <a:cubicBezTo>
-                  <a:pt x="282904" y="214194"/>
-                  <a:pt x="321360" y="69535"/>
-                  <a:pt x="224147" y="44191"/>
+                  <a:pt x="184927" y="328323"/>
+                  <a:pt x="194267" y="300479"/>
+                  <a:pt x="202533" y="272269"/>
+                </a:cubicBezTo>
+                <a:cubicBezTo>
+                  <a:pt x="212223" y="280124"/>
+                  <a:pt x="222396" y="287379"/>
+                  <a:pt x="232964" y="293996"/>
+                </a:cubicBezTo>
+                <a:cubicBezTo>
+                  <a:pt x="212749" y="313844"/>
+                  <a:pt x="193281" y="334418"/>
+                  <a:pt x="174535" y="355713"/>
                 </a:cubicBezTo>
                 <a:close/>
                 <a:moveTo>
-                  <a:pt x="265803" y="134936"/>
+                  <a:pt x="344143" y="348807"/>
                 </a:moveTo>
                 <a:cubicBezTo>
-                  <a:pt x="252013" y="214588"/>
-                  <a:pt x="159666" y="248944"/>
-                  <a:pt x="117966" y="169555"/>
-                </a:cubicBezTo>
-                <a:cubicBezTo>
-                  <a:pt x="103386" y="138181"/>
-                  <a:pt x="95011" y="104395"/>
-                  <a:pt x="119106" y="75280"/>
-                </a:cubicBezTo>
-                <a:cubicBezTo>
-                  <a:pt x="143530" y="45857"/>
-                  <a:pt x="185318" y="43270"/>
-                  <a:pt x="218336" y="58310"/>
-                </a:cubicBezTo>
-                <a:cubicBezTo>
-                  <a:pt x="219762" y="58996"/>
-                  <a:pt x="221406" y="59165"/>
-                  <a:pt x="222941" y="58792"/>
-                </a:cubicBezTo>
-                <a:cubicBezTo>
-                  <a:pt x="256354" y="66619"/>
-                  <a:pt x="271218" y="103562"/>
-                  <a:pt x="265803" y="134871"/>
+                  <a:pt x="334847" y="343743"/>
+                  <a:pt x="324608" y="340432"/>
+                  <a:pt x="316255" y="333460"/>
+                </a:cubicBezTo>
+                <a:cubicBezTo>
+                  <a:pt x="304394" y="323193"/>
+                  <a:pt x="291962" y="313631"/>
+                  <a:pt x="278983" y="304827"/>
+                </a:cubicBezTo>
+                <a:cubicBezTo>
+                  <a:pt x="253946" y="288581"/>
+                  <a:pt x="227351" y="274637"/>
+                  <a:pt x="205273" y="254400"/>
+                </a:cubicBezTo>
+                <a:cubicBezTo>
+                  <a:pt x="232701" y="211538"/>
+                  <a:pt x="274533" y="178125"/>
+                  <a:pt x="311212" y="143637"/>
+                </a:cubicBezTo>
+                <a:cubicBezTo>
+                  <a:pt x="346993" y="110020"/>
+                  <a:pt x="382796" y="76401"/>
+                  <a:pt x="418643" y="42784"/>
+                </a:cubicBezTo>
+                <a:cubicBezTo>
+                  <a:pt x="385098" y="142442"/>
+                  <a:pt x="360170" y="244797"/>
+                  <a:pt x="344143" y="348720"/>
                 </a:cubicBezTo>
                 <a:close/>
                 <a:moveTo>
-                  <a:pt x="205927" y="69535"/>
+                  <a:pt x="55923" y="163172"/>
                 </a:moveTo>
                 <a:cubicBezTo>
-                  <a:pt x="197574" y="65435"/>
-                  <a:pt x="191238" y="78809"/>
-                  <a:pt x="199964" y="83085"/>
-                </a:cubicBezTo>
-                <a:cubicBezTo>
-                  <a:pt x="208251" y="87163"/>
-                  <a:pt x="214697" y="73811"/>
-                  <a:pt x="205927" y="69535"/>
+                  <a:pt x="76620" y="147430"/>
+                  <a:pt x="101087" y="137608"/>
+                  <a:pt x="124481" y="126668"/>
+                </a:cubicBezTo>
+                <a:lnTo>
+                  <a:pt x="197797" y="92378"/>
+                </a:lnTo>
+                <a:cubicBezTo>
+                  <a:pt x="206238" y="88431"/>
+                  <a:pt x="202379" y="74268"/>
+                  <a:pt x="193412" y="78434"/>
+                </a:cubicBezTo>
+                <a:lnTo>
+                  <a:pt x="116237" y="114478"/>
+                </a:lnTo>
+                <a:cubicBezTo>
+                  <a:pt x="92954" y="125440"/>
+                  <a:pt x="68661" y="135306"/>
+                  <a:pt x="48052" y="150960"/>
+                </a:cubicBezTo>
+                <a:cubicBezTo>
+                  <a:pt x="40532" y="156704"/>
+                  <a:pt x="48096" y="169114"/>
+                  <a:pt x="55923" y="163084"/>
                 </a:cubicBezTo>
                 <a:close/>
                 <a:moveTo>
-                  <a:pt x="315550" y="67628"/>
+                  <a:pt x="41760" y="133684"/>
                 </a:moveTo>
                 <a:cubicBezTo>
-                  <a:pt x="336050" y="108495"/>
-                  <a:pt x="341662" y="159996"/>
-                  <a:pt x="309586" y="196676"/>
-                </a:cubicBezTo>
-                <a:cubicBezTo>
-                  <a:pt x="303185" y="203999"/>
-                  <a:pt x="313971" y="213448"/>
-                  <a:pt x="320439" y="206103"/>
-                </a:cubicBezTo>
-                <a:cubicBezTo>
-                  <a:pt x="357141" y="164118"/>
-                  <a:pt x="351594" y="105974"/>
-                  <a:pt x="328069" y="59055"/>
-                </a:cubicBezTo>
-                <a:cubicBezTo>
-                  <a:pt x="323815" y="50614"/>
-                  <a:pt x="311428" y="59538"/>
-                  <a:pt x="315550" y="67628"/>
-                </a:cubicBezTo>
-                <a:close/>
-                <a:moveTo>
-                  <a:pt x="370953" y="127986"/>
-                </a:moveTo>
-                <a:cubicBezTo>
-                  <a:pt x="368169" y="118756"/>
-                  <a:pt x="354181" y="124347"/>
-                  <a:pt x="356856" y="133138"/>
-                </a:cubicBezTo>
-                <a:cubicBezTo>
-                  <a:pt x="362030" y="149417"/>
-                  <a:pt x="359531" y="167165"/>
-                  <a:pt x="350037" y="181372"/>
-                </a:cubicBezTo>
-                <a:cubicBezTo>
-                  <a:pt x="344666" y="189331"/>
-                  <a:pt x="355409" y="198912"/>
-                  <a:pt x="360999" y="190800"/>
-                </a:cubicBezTo>
-                <a:cubicBezTo>
-                  <a:pt x="373804" y="172506"/>
-                  <a:pt x="377465" y="149336"/>
-                  <a:pt x="370931" y="127986"/>
+                  <a:pt x="60198" y="122794"/>
+                  <a:pt x="79119" y="112805"/>
+                  <a:pt x="98479" y="103713"/>
+                </a:cubicBezTo>
+                <a:cubicBezTo>
+                  <a:pt x="106919" y="99766"/>
+                  <a:pt x="103061" y="85603"/>
+                  <a:pt x="94094" y="89791"/>
+                </a:cubicBezTo>
+                <a:cubicBezTo>
+                  <a:pt x="73528" y="99409"/>
+                  <a:pt x="53467" y="109990"/>
+                  <a:pt x="33889" y="121537"/>
+                </a:cubicBezTo>
+                <a:cubicBezTo>
+                  <a:pt x="25689" y="126339"/>
+                  <a:pt x="33341" y="138573"/>
+                  <a:pt x="41760" y="133596"/>
                 </a:cubicBezTo>
                 <a:close/>
               </a:path>
@@ -21857,10 +22664,110 @@
           </a:p>
         </p:txBody>
       </p:sp>
+      <p:sp>
+        <p:nvSpPr>
+          <p:cNvPr id="4" name="Rectangle 2"/>
+          <p:cNvSpPr>
+            <a:spLocks noChangeArrowheads="1"/>
+          </p:cNvSpPr>
+          <p:nvPr/>
+        </p:nvSpPr>
+        <p:spPr bwMode="auto">
+          <a:xfrm>
+            <a:off x="152400" y="288667"/>
+            <a:ext cx="205505" cy="184666"/>
+          </a:xfrm>
+          <a:prstGeom prst="rect">
+            <a:avLst/>
+          </a:prstGeom>
+          <a:noFill/>
+          <a:ln>
+            <a:noFill/>
+          </a:ln>
+          <a:effectLst/>
+          <a:extLst>
+            <a:ext uri="{909E8E84-426E-40DD-AFC4-6F175D3DCCD1}">
+              <a14:hiddenFill xmlns:a14="http://schemas.microsoft.com/office/drawing/2010/main">
+                <a:solidFill>
+                  <a:schemeClr val="accent1"/>
+                </a:solidFill>
+              </a14:hiddenFill>
+            </a:ext>
+            <a:ext uri="{91240B29-F687-4F45-9708-019B960494DF}">
+              <a14:hiddenLine xmlns:a14="http://schemas.microsoft.com/office/drawing/2010/main" w="9525">
+                <a:solidFill>
+                  <a:schemeClr val="tx1"/>
+                </a:solidFill>
+                <a:miter lim="800000"/>
+                <a:headEnd/>
+                <a:tailEnd/>
+              </a14:hiddenLine>
+            </a:ext>
+            <a:ext uri="{AF507438-7753-43E0-B8FC-AC1667EBCBE1}">
+              <a14:hiddenEffects xmlns:a14="http://schemas.microsoft.com/office/drawing/2010/main">
+                <a:effectLst>
+                  <a:outerShdw dist="35921" dir="2700000" algn="ctr" rotWithShape="0">
+                    <a:schemeClr val="bg2"/>
+                  </a:outerShdw>
+                </a:effectLst>
+              </a14:hiddenEffects>
+            </a:ext>
+          </a:extLst>
+        </p:spPr>
+        <p:txBody>
+          <a:bodyPr vert="horz" wrap="none" lIns="91440" tIns="45720" rIns="91440" bIns="45720" numCol="1" anchor="ctr" anchorCtr="0" compatLnSpc="1">
+            <a:prstTxWarp prst="textNoShape">
+              <a:avLst/>
+            </a:prstTxWarp>
+            <a:spAutoFit/>
+          </a:bodyPr>
+          <a:lstStyle/>
+          <a:p>
+            <a:pPr marL="0" marR="0" lvl="0" indent="0" algn="l" defTabSz="914400" rtl="0" eaLnBrk="0" fontAlgn="base" latinLnBrk="0" hangingPunct="0">
+              <a:lnSpc>
+                <a:spcPct val="100000"/>
+              </a:lnSpc>
+              <a:spcBef>
+                <a:spcPct val="0"/>
+              </a:spcBef>
+              <a:spcAft>
+                <a:spcPct val="0"/>
+              </a:spcAft>
+              <a:buClrTx/>
+              <a:buSzTx/>
+              <a:buFontTx/>
+              <a:buNone/>
+              <a:tabLst/>
+            </a:pPr>
+            <a:r>
+              <a:rPr kumimoji="0" lang="ru-RU" altLang="ru-RU" sz="600" b="0" i="0" u="none" strike="noStrike" cap="none" normalizeH="0" baseline="0" dirty="0" smtClean="0">
+                <a:ln>
+                  <a:noFill/>
+                </a:ln>
+                <a:solidFill>
+                  <a:schemeClr val="tx1"/>
+                </a:solidFill>
+                <a:effectLst/>
+              </a:rPr>
+              <a:t> </a:t>
+            </a:r>
+            <a:endParaRPr kumimoji="0" lang="ru-RU" altLang="ru-RU" sz="1800" b="0" i="0" u="none" strike="noStrike" cap="none" normalizeH="0" baseline="0" dirty="0" smtClean="0">
+              <a:ln>
+                <a:noFill/>
+              </a:ln>
+              <a:solidFill>
+                <a:schemeClr val="tx1"/>
+              </a:solidFill>
+              <a:effectLst/>
+              <a:latin typeface="Arial" panose="020B0604020202020204" pitchFamily="34" charset="0"/>
+            </a:endParaRPr>
+          </a:p>
+        </p:txBody>
+      </p:sp>
     </p:spTree>
     <p:extLst>
       <p:ext uri="{BB962C8B-B14F-4D97-AF65-F5344CB8AC3E}">
-        <p14:creationId xmlns:p14="http://schemas.microsoft.com/office/powerpoint/2010/main" val="2948085662"/>
+        <p14:creationId xmlns:p14="http://schemas.microsoft.com/office/powerpoint/2010/main" val="2994213130"/>
       </p:ext>
     </p:extLst>
   </p:cSld>

--- a/FRIENDS.pptx
+++ b/FRIENDS.pptx
@@ -25,32 +25,32 @@
   <p:notesSz cx="6858000" cy="9144000"/>
   <p:embeddedFontLst>
     <p:embeddedFont>
+      <p:font typeface="Cambria Math" panose="02040503050406030204" pitchFamily="18" charset="0"/>
+      <p:regular r:id="rId15"/>
+    </p:embeddedFont>
+    <p:embeddedFont>
+      <p:font typeface="Calibri" panose="020F0502020204030204" pitchFamily="34" charset="0"/>
+      <p:regular r:id="rId16"/>
+      <p:bold r:id="rId17"/>
+      <p:italic r:id="rId18"/>
+      <p:boldItalic r:id="rId19"/>
+    </p:embeddedFont>
+    <p:embeddedFont>
+      <p:font typeface="Amatic SC" panose="020B0604020202020204" charset="-79"/>
+      <p:regular r:id="rId20"/>
+      <p:bold r:id="rId21"/>
+    </p:embeddedFont>
+    <p:embeddedFont>
       <p:font typeface="Calibri Light" panose="020F0302020204030204" pitchFamily="34" charset="0"/>
-      <p:regular r:id="rId15"/>
-      <p:italic r:id="rId16"/>
+      <p:regular r:id="rId22"/>
+      <p:italic r:id="rId23"/>
     </p:embeddedFont>
     <p:embeddedFont>
       <p:font typeface="Nunito" panose="020B0604020202020204" charset="-52"/>
-      <p:regular r:id="rId17"/>
-      <p:bold r:id="rId18"/>
-      <p:italic r:id="rId19"/>
-      <p:boldItalic r:id="rId20"/>
-    </p:embeddedFont>
-    <p:embeddedFont>
-      <p:font typeface="Amatic SC" panose="020B0604020202020204" charset="-79"/>
-      <p:regular r:id="rId21"/>
-      <p:bold r:id="rId22"/>
-    </p:embeddedFont>
-    <p:embeddedFont>
-      <p:font typeface="Calibri" panose="020F0502020204030204" pitchFamily="34" charset="0"/>
-      <p:regular r:id="rId23"/>
-      <p:bold r:id="rId24"/>
-      <p:italic r:id="rId25"/>
-      <p:boldItalic r:id="rId26"/>
-    </p:embeddedFont>
-    <p:embeddedFont>
-      <p:font typeface="Cambria Math" panose="02040503050406030204" pitchFamily="18" charset="0"/>
-      <p:regular r:id="rId27"/>
+      <p:regular r:id="rId24"/>
+      <p:bold r:id="rId25"/>
+      <p:italic r:id="rId26"/>
+      <p:boldItalic r:id="rId27"/>
     </p:embeddedFont>
   </p:embeddedFontLst>
   <p:defaultTextStyle>
@@ -284,7 +284,7 @@
   </p:defaultTextStyle>
   <p:extLst>
     <p:ext uri="{EFAFB233-063F-42B5-8137-9DF3F51BA10A}">
-      <p15:sldGuideLst xmlns:p15="http://schemas.microsoft.com/office/powerpoint/2012/main"/>
+      <p15:sldGuideLst xmlns:p15="http://schemas.microsoft.com/office/powerpoint/2012/main" xmlns=""/>
     </p:ext>
   </p:extLst>
 </p:presentation>
@@ -11396,25 +11396,24 @@
               <a:spcAft>
                 <a:spcPts val="1000"/>
               </a:spcAft>
-              <a:buFont typeface="Nunito"/>
               <a:buNone/>
             </a:pPr>
             <a:r>
-              <a:rPr lang="en-US" sz="2000" dirty="0" smtClean="0"/>
-              <a:t>Email</a:t>
+              <a:rPr lang="en-US" sz="2000" dirty="0"/>
+              <a:t>goodday23@yandex.ru</a:t>
             </a:r>
+            <a:endParaRPr lang="en-US" sz="2000" dirty="0" smtClean="0"/>
           </a:p>
           <a:p>
             <a:pPr marL="0" indent="0" algn="ctr">
               <a:spcAft>
                 <a:spcPts val="1000"/>
               </a:spcAft>
-              <a:buFont typeface="Nunito"/>
               <a:buNone/>
             </a:pPr>
             <a:r>
-              <a:rPr lang="en-US" sz="2000" dirty="0" smtClean="0"/>
-              <a:t>t.me/</a:t>
+              <a:rPr lang="en-US" sz="2000" dirty="0"/>
+              <a:t>t.me/sigal777</a:t>
             </a:r>
             <a:endParaRPr lang="en-US" sz="2000" dirty="0"/>
           </a:p>
@@ -20628,7 +20627,7 @@
                       <m:fPr>
                         <m:ctrlPr>
                           <a:rPr lang="ru-RU" i="1" dirty="0" smtClean="0">
-                            <a:latin typeface="Cambria Math" panose="02040503050406030204" pitchFamily="18" charset="0"/>
+                            <a:latin typeface="Cambria Math"/>
                             <a:ea typeface="Cambria Math" panose="02040503050406030204" pitchFamily="18" charset="0"/>
                           </a:rPr>
                         </m:ctrlPr>
@@ -20727,7 +20726,7 @@
                       <m:fPr>
                         <m:ctrlPr>
                           <a:rPr lang="ru-RU" i="1" dirty="0">
-                            <a:latin typeface="Cambria Math" panose="02040503050406030204" pitchFamily="18" charset="0"/>
+                            <a:latin typeface="Cambria Math"/>
                             <a:ea typeface="Cambria Math" panose="02040503050406030204" pitchFamily="18" charset="0"/>
                           </a:rPr>
                         </m:ctrlPr>
@@ -22086,9 +22085,6 @@
               </a:rPr>
               <a:t>: </a:t>
             </a:r>
-            <a:endParaRPr lang="en-US" dirty="0" smtClean="0">
-              <a:latin typeface="+mn-lt"/>
-            </a:endParaRPr>
           </a:p>
           <a:p>
             <a:pPr lvl="1">
@@ -22132,9 +22128,6 @@
               </a:rPr>
               <a:t>93.798%</a:t>
             </a:r>
-            <a:endParaRPr lang="en-US" b="1" dirty="0" smtClean="0">
-              <a:latin typeface="+mn-lt"/>
-            </a:endParaRPr>
           </a:p>
           <a:p>
             <a:pPr lvl="1">

--- a/FRIENDS.pptx
+++ b/FRIENDS.pptx
@@ -5,7 +5,7 @@
     <p:sldMasterId id="2147483661" r:id="rId1"/>
   </p:sldMasterIdLst>
   <p:notesMasterIdLst>
-    <p:notesMasterId r:id="rId14"/>
+    <p:notesMasterId r:id="rId15"/>
   </p:notesMasterIdLst>
   <p:sldIdLst>
     <p:sldId id="256" r:id="rId2"/>
@@ -17,40 +17,41 @@
     <p:sldId id="308" r:id="rId8"/>
     <p:sldId id="310" r:id="rId9"/>
     <p:sldId id="311" r:id="rId10"/>
-    <p:sldId id="309" r:id="rId11"/>
-    <p:sldId id="258" r:id="rId12"/>
-    <p:sldId id="307" r:id="rId13"/>
+    <p:sldId id="312" r:id="rId11"/>
+    <p:sldId id="309" r:id="rId12"/>
+    <p:sldId id="258" r:id="rId13"/>
+    <p:sldId id="307" r:id="rId14"/>
   </p:sldIdLst>
   <p:sldSz cx="9144000" cy="5143500" type="screen16x9"/>
   <p:notesSz cx="6858000" cy="9144000"/>
   <p:embeddedFontLst>
     <p:embeddedFont>
-      <p:font typeface="Cambria Math" panose="02040503050406030204" pitchFamily="18" charset="0"/>
-      <p:regular r:id="rId15"/>
+      <p:font typeface="Calibri Light" panose="020F0302020204030204" pitchFamily="34" charset="0"/>
+      <p:regular r:id="rId16"/>
+      <p:italic r:id="rId17"/>
+    </p:embeddedFont>
+    <p:embeddedFont>
+      <p:font typeface="Nunito" panose="020B0604020202020204" charset="-52"/>
+      <p:regular r:id="rId18"/>
+      <p:bold r:id="rId19"/>
+      <p:italic r:id="rId20"/>
+      <p:boldItalic r:id="rId21"/>
     </p:embeddedFont>
     <p:embeddedFont>
       <p:font typeface="Calibri" panose="020F0502020204030204" pitchFamily="34" charset="0"/>
-      <p:regular r:id="rId16"/>
-      <p:bold r:id="rId17"/>
-      <p:italic r:id="rId18"/>
-      <p:boldItalic r:id="rId19"/>
+      <p:regular r:id="rId22"/>
+      <p:bold r:id="rId23"/>
+      <p:italic r:id="rId24"/>
+      <p:boldItalic r:id="rId25"/>
+    </p:embeddedFont>
+    <p:embeddedFont>
+      <p:font typeface="Cambria Math" panose="02040503050406030204" pitchFamily="18" charset="0"/>
+      <p:regular r:id="rId26"/>
     </p:embeddedFont>
     <p:embeddedFont>
       <p:font typeface="Amatic SC" panose="020B0604020202020204" charset="-79"/>
-      <p:regular r:id="rId20"/>
-      <p:bold r:id="rId21"/>
-    </p:embeddedFont>
-    <p:embeddedFont>
-      <p:font typeface="Calibri Light" panose="020F0302020204030204" pitchFamily="34" charset="0"/>
-      <p:regular r:id="rId22"/>
-      <p:italic r:id="rId23"/>
-    </p:embeddedFont>
-    <p:embeddedFont>
-      <p:font typeface="Nunito" panose="020B0604020202020204" charset="-52"/>
-      <p:regular r:id="rId24"/>
-      <p:bold r:id="rId25"/>
-      <p:italic r:id="rId26"/>
-      <p:boldItalic r:id="rId27"/>
+      <p:regular r:id="rId27"/>
+      <p:bold r:id="rId28"/>
     </p:embeddedFont>
   </p:embeddedFontLst>
   <p:defaultTextStyle>
@@ -284,7 +285,18 @@
   </p:defaultTextStyle>
   <p:extLst>
     <p:ext uri="{EFAFB233-063F-42B5-8137-9DF3F51BA10A}">
-      <p15:sldGuideLst xmlns:p15="http://schemas.microsoft.com/office/powerpoint/2012/main" xmlns=""/>
+      <p15:sldGuideLst xmlns:p15="http://schemas.microsoft.com/office/powerpoint/2012/main">
+        <p15:guide id="1" orient="horz" pos="1620">
+          <p15:clr>
+            <a:srgbClr val="A4A3A4"/>
+          </p15:clr>
+        </p15:guide>
+        <p15:guide id="2" pos="2880">
+          <p15:clr>
+            <a:srgbClr val="A4A3A4"/>
+          </p15:clr>
+        </p15:guide>
+      </p15:sldGuideLst>
     </p:ext>
   </p:extLst>
 </p:presentation>
@@ -944,6 +956,115 @@
     </p:spTree>
     <p:extLst>
       <p:ext uri="{BB962C8B-B14F-4D97-AF65-F5344CB8AC3E}">
+        <p14:creationId xmlns:p14="http://schemas.microsoft.com/office/powerpoint/2010/main" val="2076802462"/>
+      </p:ext>
+    </p:extLst>
+  </p:cSld>
+  <p:clrMapOvr>
+    <a:masterClrMapping/>
+  </p:clrMapOvr>
+</p:notes>
+</file>
+
+<file path=ppt/notesSlides/notesSlide11.xml><?xml version="1.0" encoding="utf-8"?>
+<p:notes xmlns:a="http://schemas.openxmlformats.org/drawingml/2006/main" xmlns:r="http://schemas.openxmlformats.org/officeDocument/2006/relationships" xmlns:p="http://schemas.openxmlformats.org/presentationml/2006/main" showMasterSp="0" showMasterPhAnim="0">
+  <p:cSld>
+    <p:spTree>
+      <p:nvGrpSpPr>
+        <p:cNvPr id="1" name="Shape 221"/>
+        <p:cNvGrpSpPr/>
+        <p:nvPr/>
+      </p:nvGrpSpPr>
+      <p:grpSpPr>
+        <a:xfrm>
+          <a:off x="0" y="0"/>
+          <a:ext cx="0" cy="0"/>
+          <a:chOff x="0" y="0"/>
+          <a:chExt cx="0" cy="0"/>
+        </a:xfrm>
+      </p:grpSpPr>
+      <p:sp>
+        <p:nvSpPr>
+          <p:cNvPr id="222" name="Google Shape;222;p:notes"/>
+          <p:cNvSpPr>
+            <a:spLocks noGrp="1" noRot="1" noChangeAspect="1"/>
+          </p:cNvSpPr>
+          <p:nvPr>
+            <p:ph type="sldImg" idx="2"/>
+          </p:nvPr>
+        </p:nvSpPr>
+        <p:spPr>
+          <a:xfrm>
+            <a:off x="381000" y="685800"/>
+            <a:ext cx="6096000" cy="3429000"/>
+          </a:xfrm>
+          <a:custGeom>
+            <a:avLst/>
+            <a:gdLst/>
+            <a:ahLst/>
+            <a:cxnLst/>
+            <a:rect l="l" t="t" r="r" b="b"/>
+            <a:pathLst>
+              <a:path w="120000" h="120000" extrusionOk="0">
+                <a:moveTo>
+                  <a:pt x="0" y="0"/>
+                </a:moveTo>
+                <a:lnTo>
+                  <a:pt x="120000" y="0"/>
+                </a:lnTo>
+                <a:lnTo>
+                  <a:pt x="120000" y="120000"/>
+                </a:lnTo>
+                <a:lnTo>
+                  <a:pt x="0" y="120000"/>
+                </a:lnTo>
+                <a:close/>
+              </a:path>
+            </a:pathLst>
+          </a:custGeom>
+        </p:spPr>
+      </p:sp>
+      <p:sp>
+        <p:nvSpPr>
+          <p:cNvPr id="223" name="Google Shape;223;p:notes"/>
+          <p:cNvSpPr txBox="1">
+            <a:spLocks noGrp="1"/>
+          </p:cNvSpPr>
+          <p:nvPr>
+            <p:ph type="body" idx="1"/>
+          </p:nvPr>
+        </p:nvSpPr>
+        <p:spPr>
+          <a:xfrm>
+            <a:off x="685800" y="4343400"/>
+            <a:ext cx="5486400" cy="4114800"/>
+          </a:xfrm>
+          <a:prstGeom prst="rect">
+            <a:avLst/>
+          </a:prstGeom>
+        </p:spPr>
+        <p:txBody>
+          <a:bodyPr spcFirstLastPara="1" wrap="square" lIns="91425" tIns="91425" rIns="91425" bIns="91425" anchor="t" anchorCtr="0">
+            <a:noAutofit/>
+          </a:bodyPr>
+          <a:lstStyle/>
+          <a:p>
+            <a:pPr marL="0" lvl="0" indent="0" algn="l" rtl="0">
+              <a:spcBef>
+                <a:spcPts val="0"/>
+              </a:spcBef>
+              <a:spcAft>
+                <a:spcPts val="0"/>
+              </a:spcAft>
+              <a:buNone/>
+            </a:pPr>
+            <a:endParaRPr/>
+          </a:p>
+        </p:txBody>
+      </p:sp>
+    </p:spTree>
+    <p:extLst>
+      <p:ext uri="{BB962C8B-B14F-4D97-AF65-F5344CB8AC3E}">
         <p14:creationId xmlns:p14="http://schemas.microsoft.com/office/powerpoint/2010/main" val="896774247"/>
       </p:ext>
     </p:extLst>
@@ -954,7 +1075,7 @@
 </p:notes>
 </file>
 
-<file path=ppt/notesSlides/notesSlide11.xml><?xml version="1.0" encoding="utf-8"?>
+<file path=ppt/notesSlides/notesSlide12.xml><?xml version="1.0" encoding="utf-8"?>
 <p:notes xmlns:a="http://schemas.openxmlformats.org/drawingml/2006/main" xmlns:r="http://schemas.openxmlformats.org/officeDocument/2006/relationships" xmlns:p="http://schemas.openxmlformats.org/presentationml/2006/main" showMasterSp="0" showMasterPhAnim="0">
   <p:cSld>
     <p:spTree>
@@ -1063,7 +1184,7 @@
 </p:notes>
 </file>
 
-<file path=ppt/notesSlides/notesSlide12.xml><?xml version="1.0" encoding="utf-8"?>
+<file path=ppt/notesSlides/notesSlide13.xml><?xml version="1.0" encoding="utf-8"?>
 <p:notes xmlns:a="http://schemas.openxmlformats.org/drawingml/2006/main" xmlns:r="http://schemas.openxmlformats.org/officeDocument/2006/relationships" xmlns:p="http://schemas.openxmlformats.org/presentationml/2006/main" showMasterSp="0" showMasterPhAnim="0">
   <p:cSld>
     <p:spTree>
@@ -9417,6 +9538,937 @@
         </p:nvSpPr>
         <p:spPr>
           <a:xfrm>
+            <a:off x="883375" y="697147"/>
+            <a:ext cx="6426300" cy="396300"/>
+          </a:xfrm>
+          <a:prstGeom prst="rect">
+            <a:avLst/>
+          </a:prstGeom>
+        </p:spPr>
+        <p:txBody>
+          <a:bodyPr spcFirstLastPara="1" wrap="square" lIns="0" tIns="0" rIns="0" bIns="0" anchor="ctr" anchorCtr="0">
+            <a:noAutofit/>
+          </a:bodyPr>
+          <a:lstStyle/>
+          <a:p>
+            <a:pPr marL="0" lvl="0" indent="0" algn="l" rtl="0">
+              <a:spcBef>
+                <a:spcPts val="0"/>
+              </a:spcBef>
+              <a:spcAft>
+                <a:spcPts val="0"/>
+              </a:spcAft>
+              <a:buNone/>
+            </a:pPr>
+            <a:r>
+              <a:rPr lang="ru-RU" dirty="0" smtClean="0">
+                <a:latin typeface="+mj-lt"/>
+              </a:rPr>
+              <a:t>Получаем значения для </a:t>
+            </a:r>
+            <a:r>
+              <a:rPr lang="ru-RU" dirty="0" err="1" smtClean="0">
+                <a:latin typeface="+mj-lt"/>
+              </a:rPr>
+              <a:t>МаксПДЗ</a:t>
+            </a:r>
+            <a:endParaRPr dirty="0">
+              <a:latin typeface="+mj-lt"/>
+            </a:endParaRPr>
+          </a:p>
+        </p:txBody>
+      </p:sp>
+      <p:sp>
+        <p:nvSpPr>
+          <p:cNvPr id="226" name="Google Shape;226;p20"/>
+          <p:cNvSpPr txBox="1">
+            <a:spLocks noGrp="1"/>
+          </p:cNvSpPr>
+          <p:nvPr>
+            <p:ph type="body" idx="1"/>
+          </p:nvPr>
+        </p:nvSpPr>
+        <p:spPr>
+          <a:xfrm>
+            <a:off x="883375" y="1517228"/>
+            <a:ext cx="7521000" cy="2829522"/>
+          </a:xfrm>
+          <a:prstGeom prst="rect">
+            <a:avLst/>
+          </a:prstGeom>
+        </p:spPr>
+        <p:txBody>
+          <a:bodyPr spcFirstLastPara="1" wrap="square" lIns="0" tIns="0" rIns="0" bIns="0" anchor="t" anchorCtr="0">
+            <a:noAutofit/>
+          </a:bodyPr>
+          <a:lstStyle/>
+          <a:p>
+            <a:pPr lvl="0"/>
+            <a:r>
+              <a:rPr lang="ru-RU" b="1" dirty="0" smtClean="0">
+                <a:latin typeface="+mn-lt"/>
+              </a:rPr>
+              <a:t>Регрессия для </a:t>
+            </a:r>
+            <a:r>
+              <a:rPr lang="ru-RU" b="1" dirty="0" err="1" smtClean="0">
+                <a:latin typeface="+mn-lt"/>
+              </a:rPr>
+              <a:t>МаксПДЗ</a:t>
+            </a:r>
+            <a:r>
+              <a:rPr lang="en-US" b="1" dirty="0" smtClean="0">
+                <a:latin typeface="+mn-lt"/>
+              </a:rPr>
+              <a:t>: </a:t>
+            </a:r>
+            <a:endParaRPr lang="en-US" b="1" dirty="0">
+              <a:latin typeface="+mn-lt"/>
+            </a:endParaRPr>
+          </a:p>
+          <a:p>
+            <a:pPr lvl="1">
+              <a:spcBef>
+                <a:spcPts val="0"/>
+              </a:spcBef>
+            </a:pPr>
+            <a:r>
+              <a:rPr lang="en-US" dirty="0"/>
+              <a:t>RMSE of train prediction is: </a:t>
+            </a:r>
+            <a:r>
+              <a:rPr lang="ru-RU" b="1" dirty="0" smtClean="0"/>
+              <a:t>12</a:t>
+            </a:r>
+            <a:r>
+              <a:rPr lang="en-US" b="1" dirty="0" smtClean="0"/>
+              <a:t>.</a:t>
+            </a:r>
+            <a:r>
+              <a:rPr lang="ru-RU" b="1" dirty="0" smtClean="0"/>
+              <a:t>5 </a:t>
+            </a:r>
+            <a:r>
+              <a:rPr lang="en-US" b="1" dirty="0"/>
+              <a:t>days of PDZ</a:t>
+            </a:r>
+          </a:p>
+          <a:p>
+            <a:pPr lvl="1">
+              <a:spcBef>
+                <a:spcPts val="0"/>
+              </a:spcBef>
+            </a:pPr>
+            <a:r>
+              <a:rPr lang="en-US" dirty="0">
+                <a:latin typeface="Calibri" panose="020F0502020204030204" pitchFamily="34" charset="0"/>
+                <a:cs typeface="Calibri" panose="020F0502020204030204" pitchFamily="34" charset="0"/>
+              </a:rPr>
+              <a:t>RMSE of test prediction is: </a:t>
+            </a:r>
+            <a:r>
+              <a:rPr lang="ru-RU" b="1" dirty="0" smtClean="0">
+                <a:latin typeface="Calibri" panose="020F0502020204030204" pitchFamily="34" charset="0"/>
+                <a:cs typeface="Calibri" panose="020F0502020204030204" pitchFamily="34" charset="0"/>
+              </a:rPr>
+              <a:t>138 </a:t>
+            </a:r>
+            <a:r>
+              <a:rPr lang="en-US" b="1" dirty="0">
+                <a:latin typeface="Calibri" panose="020F0502020204030204" pitchFamily="34" charset="0"/>
+                <a:cs typeface="Calibri" panose="020F0502020204030204" pitchFamily="34" charset="0"/>
+              </a:rPr>
+              <a:t>days of </a:t>
+            </a:r>
+            <a:r>
+              <a:rPr lang="en-US" b="1" dirty="0" smtClean="0">
+                <a:latin typeface="Calibri" panose="020F0502020204030204" pitchFamily="34" charset="0"/>
+                <a:cs typeface="Calibri" panose="020F0502020204030204" pitchFamily="34" charset="0"/>
+              </a:rPr>
+              <a:t>PDZ</a:t>
+            </a:r>
+            <a:endParaRPr lang="ru-RU" b="1" dirty="0" smtClean="0">
+              <a:latin typeface="+mn-lt"/>
+            </a:endParaRPr>
+          </a:p>
+          <a:p>
+            <a:r>
+              <a:rPr lang="ru-RU" b="1" dirty="0" smtClean="0">
+                <a:latin typeface="+mn-lt"/>
+              </a:rPr>
+              <a:t>Подсчитываем </a:t>
+            </a:r>
+            <a:r>
+              <a:rPr lang="ru-RU" b="1" dirty="0">
+                <a:latin typeface="+mn-lt"/>
+              </a:rPr>
+              <a:t>точность по классификации </a:t>
+            </a:r>
+            <a:r>
+              <a:rPr lang="ru-RU" b="1" dirty="0" err="1" smtClean="0">
+                <a:latin typeface="+mn-lt"/>
+              </a:rPr>
+              <a:t>МаксПДЗ</a:t>
+            </a:r>
+            <a:r>
+              <a:rPr lang="ru-RU" b="1" dirty="0" smtClean="0">
+                <a:latin typeface="+mn-lt"/>
+              </a:rPr>
+              <a:t> </a:t>
+            </a:r>
+            <a:r>
+              <a:rPr lang="ru-RU" b="1" dirty="0">
+                <a:latin typeface="+mn-lt"/>
+              </a:rPr>
+              <a:t>[0, 1-30, 31-90, 91-365</a:t>
+            </a:r>
+            <a:r>
+              <a:rPr lang="ru-RU" b="1" dirty="0" smtClean="0">
+                <a:latin typeface="+mn-lt"/>
+              </a:rPr>
+              <a:t>]</a:t>
+            </a:r>
+            <a:r>
+              <a:rPr lang="en-US" dirty="0" smtClean="0">
+                <a:latin typeface="+mn-lt"/>
+              </a:rPr>
+              <a:t>: </a:t>
+            </a:r>
+          </a:p>
+          <a:p>
+            <a:pPr lvl="1">
+              <a:spcBef>
+                <a:spcPts val="0"/>
+              </a:spcBef>
+            </a:pPr>
+            <a:r>
+              <a:rPr lang="en-US" dirty="0" smtClean="0">
+                <a:latin typeface="+mn-lt"/>
+              </a:rPr>
+              <a:t>Accuracy </a:t>
+            </a:r>
+            <a:r>
+              <a:rPr lang="en-US" dirty="0">
+                <a:latin typeface="+mn-lt"/>
+              </a:rPr>
+              <a:t>of </a:t>
+            </a:r>
+            <a:r>
+              <a:rPr lang="en-US" dirty="0" smtClean="0">
+                <a:latin typeface="+mn-lt"/>
+              </a:rPr>
+              <a:t>train </a:t>
+            </a:r>
+            <a:r>
+              <a:rPr lang="en-US" dirty="0">
+                <a:latin typeface="+mn-lt"/>
+              </a:rPr>
+              <a:t>prediction is</a:t>
+            </a:r>
+            <a:r>
+              <a:rPr lang="en-US" dirty="0" smtClean="0">
+                <a:latin typeface="+mn-lt"/>
+              </a:rPr>
+              <a:t>: </a:t>
+            </a:r>
+            <a:r>
+              <a:rPr lang="ru-RU" b="1" dirty="0" smtClean="0">
+                <a:latin typeface="+mn-lt"/>
+              </a:rPr>
+              <a:t>88</a:t>
+            </a:r>
+            <a:r>
+              <a:rPr lang="en-US" b="1" dirty="0" smtClean="0">
+                <a:latin typeface="+mn-lt"/>
+              </a:rPr>
+              <a:t>.</a:t>
+            </a:r>
+            <a:r>
+              <a:rPr lang="ru-RU" b="1" smtClean="0">
+                <a:latin typeface="+mn-lt"/>
+              </a:rPr>
+              <a:t>889</a:t>
+            </a:r>
+            <a:r>
+              <a:rPr lang="en-US" b="1" smtClean="0">
+                <a:latin typeface="+mn-lt"/>
+              </a:rPr>
+              <a:t>%</a:t>
+            </a:r>
+            <a:endParaRPr lang="en-US" b="1" dirty="0" smtClean="0">
+              <a:latin typeface="+mn-lt"/>
+            </a:endParaRPr>
+          </a:p>
+          <a:p>
+            <a:pPr lvl="1">
+              <a:spcBef>
+                <a:spcPts val="0"/>
+              </a:spcBef>
+            </a:pPr>
+            <a:r>
+              <a:rPr lang="en-US" dirty="0" smtClean="0">
+                <a:latin typeface="Calibri" panose="020F0502020204030204" pitchFamily="34" charset="0"/>
+                <a:cs typeface="Calibri" panose="020F0502020204030204" pitchFamily="34" charset="0"/>
+              </a:rPr>
+              <a:t>Accuracy </a:t>
+            </a:r>
+            <a:r>
+              <a:rPr lang="en-US" dirty="0">
+                <a:latin typeface="Calibri" panose="020F0502020204030204" pitchFamily="34" charset="0"/>
+                <a:cs typeface="Calibri" panose="020F0502020204030204" pitchFamily="34" charset="0"/>
+              </a:rPr>
+              <a:t>of test prediction is: </a:t>
+            </a:r>
+            <a:r>
+              <a:rPr lang="ru-RU" b="1" dirty="0" smtClean="0">
+                <a:latin typeface="Calibri" panose="020F0502020204030204" pitchFamily="34" charset="0"/>
+                <a:cs typeface="Calibri" panose="020F0502020204030204" pitchFamily="34" charset="0"/>
+              </a:rPr>
+              <a:t>85</a:t>
+            </a:r>
+            <a:r>
+              <a:rPr lang="en-US" b="1" dirty="0" smtClean="0">
+                <a:latin typeface="Calibri" panose="020F0502020204030204" pitchFamily="34" charset="0"/>
+                <a:cs typeface="Calibri" panose="020F0502020204030204" pitchFamily="34" charset="0"/>
+              </a:rPr>
+              <a:t>.</a:t>
+            </a:r>
+            <a:r>
+              <a:rPr lang="ru-RU" b="1" dirty="0" smtClean="0">
+                <a:latin typeface="Calibri" panose="020F0502020204030204" pitchFamily="34" charset="0"/>
+                <a:cs typeface="Calibri" panose="020F0502020204030204" pitchFamily="34" charset="0"/>
+              </a:rPr>
+              <a:t>271</a:t>
+            </a:r>
+            <a:r>
+              <a:rPr lang="en-US" b="1" dirty="0" smtClean="0">
+                <a:latin typeface="Calibri" panose="020F0502020204030204" pitchFamily="34" charset="0"/>
+                <a:cs typeface="Calibri" panose="020F0502020204030204" pitchFamily="34" charset="0"/>
+              </a:rPr>
+              <a:t>%</a:t>
+            </a:r>
+            <a:endParaRPr lang="en-US" b="1" dirty="0">
+              <a:latin typeface="Calibri" panose="020F0502020204030204" pitchFamily="34" charset="0"/>
+              <a:cs typeface="Calibri" panose="020F0502020204030204" pitchFamily="34" charset="0"/>
+            </a:endParaRPr>
+          </a:p>
+          <a:p>
+            <a:pPr lvl="1"/>
+            <a:endParaRPr lang="en-US" b="1" dirty="0" smtClean="0">
+              <a:latin typeface="+mn-lt"/>
+            </a:endParaRPr>
+          </a:p>
+          <a:p>
+            <a:pPr lvl="0">
+              <a:spcBef>
+                <a:spcPts val="1000"/>
+              </a:spcBef>
+            </a:pPr>
+            <a:endParaRPr lang="en-US" b="1" dirty="0">
+              <a:latin typeface="+mn-lt"/>
+            </a:endParaRPr>
+          </a:p>
+        </p:txBody>
+      </p:sp>
+      <p:sp>
+        <p:nvSpPr>
+          <p:cNvPr id="227" name="Google Shape;227;p20"/>
+          <p:cNvSpPr txBox="1">
+            <a:spLocks noGrp="1"/>
+          </p:cNvSpPr>
+          <p:nvPr>
+            <p:ph type="sldNum" idx="12"/>
+          </p:nvPr>
+        </p:nvSpPr>
+        <p:spPr>
+          <a:xfrm>
+            <a:off x="8404375" y="4693376"/>
+            <a:ext cx="548700" cy="300300"/>
+          </a:xfrm>
+          <a:prstGeom prst="rect">
+            <a:avLst/>
+          </a:prstGeom>
+        </p:spPr>
+        <p:txBody>
+          <a:bodyPr spcFirstLastPara="1" wrap="square" lIns="0" tIns="0" rIns="0" bIns="0" anchor="ctr" anchorCtr="0">
+            <a:noAutofit/>
+          </a:bodyPr>
+          <a:lstStyle/>
+          <a:p>
+            <a:pPr marL="0" lvl="0" indent="0" algn="r" rtl="0">
+              <a:spcBef>
+                <a:spcPts val="0"/>
+              </a:spcBef>
+              <a:spcAft>
+                <a:spcPts val="0"/>
+              </a:spcAft>
+              <a:buNone/>
+            </a:pPr>
+            <a:fld id="{00000000-1234-1234-1234-123412341234}" type="slidenum">
+              <a:rPr lang="en"/>
+              <a:t>10</a:t>
+            </a:fld>
+            <a:endParaRPr/>
+          </a:p>
+        </p:txBody>
+      </p:sp>
+      <p:sp>
+        <p:nvSpPr>
+          <p:cNvPr id="228" name="Google Shape;228;p20"/>
+          <p:cNvSpPr/>
+          <p:nvPr/>
+        </p:nvSpPr>
+        <p:spPr>
+          <a:xfrm>
+            <a:off x="7648493" y="3814898"/>
+            <a:ext cx="937597" cy="835429"/>
+          </a:xfrm>
+          <a:custGeom>
+            <a:avLst/>
+            <a:gdLst/>
+            <a:ahLst/>
+            <a:cxnLst/>
+            <a:rect l="l" t="t" r="r" b="b"/>
+            <a:pathLst>
+              <a:path w="444359" h="395938" extrusionOk="0">
+                <a:moveTo>
+                  <a:pt x="135136" y="205311"/>
+                </a:moveTo>
+                <a:lnTo>
+                  <a:pt x="101482" y="200356"/>
+                </a:lnTo>
+                <a:cubicBezTo>
+                  <a:pt x="92405" y="199041"/>
+                  <a:pt x="88788" y="213642"/>
+                  <a:pt x="98347" y="215046"/>
+                </a:cubicBezTo>
+                <a:lnTo>
+                  <a:pt x="132067" y="220001"/>
+                </a:lnTo>
+                <a:cubicBezTo>
+                  <a:pt x="141056" y="221316"/>
+                  <a:pt x="144673" y="206714"/>
+                  <a:pt x="135136" y="205311"/>
+                </a:cubicBezTo>
+                <a:close/>
+                <a:moveTo>
+                  <a:pt x="293388" y="291650"/>
+                </a:moveTo>
+                <a:cubicBezTo>
+                  <a:pt x="292554" y="295482"/>
+                  <a:pt x="294966" y="299271"/>
+                  <a:pt x="298803" y="300115"/>
+                </a:cubicBezTo>
+                <a:cubicBezTo>
+                  <a:pt x="298869" y="300130"/>
+                  <a:pt x="298935" y="300144"/>
+                  <a:pt x="299001" y="300157"/>
+                </a:cubicBezTo>
+                <a:cubicBezTo>
+                  <a:pt x="299373" y="300157"/>
+                  <a:pt x="300711" y="300157"/>
+                  <a:pt x="300930" y="300551"/>
+                </a:cubicBezTo>
+                <a:cubicBezTo>
+                  <a:pt x="299921" y="300222"/>
+                  <a:pt x="299790" y="300201"/>
+                  <a:pt x="300535" y="300551"/>
+                </a:cubicBezTo>
+                <a:cubicBezTo>
+                  <a:pt x="301280" y="300902"/>
+                  <a:pt x="301456" y="300924"/>
+                  <a:pt x="302267" y="301297"/>
+                </a:cubicBezTo>
+                <a:lnTo>
+                  <a:pt x="302377" y="301297"/>
+                </a:lnTo>
+                <a:cubicBezTo>
+                  <a:pt x="309919" y="308335"/>
+                  <a:pt x="320267" y="297416"/>
+                  <a:pt x="313142" y="290335"/>
+                </a:cubicBezTo>
+                <a:cubicBezTo>
+                  <a:pt x="307573" y="285621"/>
+                  <a:pt x="295756" y="281894"/>
+                  <a:pt x="293388" y="291650"/>
+                </a:cubicBezTo>
+                <a:close/>
+                <a:moveTo>
+                  <a:pt x="285999" y="274110"/>
+                </a:moveTo>
+                <a:cubicBezTo>
+                  <a:pt x="269973" y="263589"/>
+                  <a:pt x="253310" y="254069"/>
+                  <a:pt x="236099" y="245608"/>
+                </a:cubicBezTo>
+                <a:cubicBezTo>
+                  <a:pt x="227833" y="241530"/>
+                  <a:pt x="220752" y="255014"/>
+                  <a:pt x="229346" y="259180"/>
+                </a:cubicBezTo>
+                <a:cubicBezTo>
+                  <a:pt x="245439" y="267053"/>
+                  <a:pt x="261027" y="275919"/>
+                  <a:pt x="276002" y="285730"/>
+                </a:cubicBezTo>
+                <a:cubicBezTo>
+                  <a:pt x="283697" y="290576"/>
+                  <a:pt x="293738" y="279109"/>
+                  <a:pt x="285999" y="274023"/>
+                </a:cubicBezTo>
+                <a:close/>
+                <a:moveTo>
+                  <a:pt x="433354" y="1544"/>
+                </a:moveTo>
+                <a:cubicBezTo>
+                  <a:pt x="431162" y="3057"/>
+                  <a:pt x="428970" y="4482"/>
+                  <a:pt x="426908" y="5929"/>
+                </a:cubicBezTo>
+                <a:cubicBezTo>
+                  <a:pt x="425220" y="5833"/>
+                  <a:pt x="423554" y="6381"/>
+                  <a:pt x="422239" y="7464"/>
+                </a:cubicBezTo>
+                <a:cubicBezTo>
+                  <a:pt x="417854" y="10840"/>
+                  <a:pt x="413469" y="14261"/>
+                  <a:pt x="408952" y="17659"/>
+                </a:cubicBezTo>
+                <a:cubicBezTo>
+                  <a:pt x="315904" y="75803"/>
+                  <a:pt x="209197" y="106563"/>
+                  <a:pt x="111195" y="154928"/>
+                </a:cubicBezTo>
+                <a:cubicBezTo>
+                  <a:pt x="93853" y="163501"/>
+                  <a:pt x="76773" y="172622"/>
+                  <a:pt x="60089" y="182400"/>
+                </a:cubicBezTo>
+                <a:cubicBezTo>
+                  <a:pt x="42549" y="192748"/>
+                  <a:pt x="25141" y="203184"/>
+                  <a:pt x="5146" y="208249"/>
+                </a:cubicBezTo>
+                <a:cubicBezTo>
+                  <a:pt x="-1804" y="210003"/>
+                  <a:pt x="-1147" y="218532"/>
+                  <a:pt x="3743" y="221404"/>
+                </a:cubicBezTo>
+                <a:cubicBezTo>
+                  <a:pt x="4707" y="222430"/>
+                  <a:pt x="5979" y="223140"/>
+                  <a:pt x="7360" y="223443"/>
+                </a:cubicBezTo>
+                <a:cubicBezTo>
+                  <a:pt x="52371" y="234230"/>
+                  <a:pt x="97777" y="242999"/>
+                  <a:pt x="143621" y="249752"/>
+                </a:cubicBezTo>
+                <a:lnTo>
+                  <a:pt x="143117" y="384961"/>
+                </a:lnTo>
+                <a:cubicBezTo>
+                  <a:pt x="142854" y="387829"/>
+                  <a:pt x="144717" y="390464"/>
+                  <a:pt x="147502" y="391166"/>
+                </a:cubicBezTo>
+                <a:cubicBezTo>
+                  <a:pt x="148620" y="393251"/>
+                  <a:pt x="150615" y="394717"/>
+                  <a:pt x="152939" y="395156"/>
+                </a:cubicBezTo>
+                <a:cubicBezTo>
+                  <a:pt x="155855" y="396721"/>
+                  <a:pt x="159473" y="395875"/>
+                  <a:pt x="161402" y="393183"/>
+                </a:cubicBezTo>
+                <a:cubicBezTo>
+                  <a:pt x="187777" y="361278"/>
+                  <a:pt x="215797" y="330777"/>
+                  <a:pt x="245351" y="301801"/>
+                </a:cubicBezTo>
+                <a:cubicBezTo>
+                  <a:pt x="266464" y="313914"/>
+                  <a:pt x="286394" y="328001"/>
+                  <a:pt x="304854" y="343874"/>
+                </a:cubicBezTo>
+                <a:cubicBezTo>
+                  <a:pt x="316496" y="353850"/>
+                  <a:pt x="331712" y="356854"/>
+                  <a:pt x="343266" y="366413"/>
+                </a:cubicBezTo>
+                <a:cubicBezTo>
+                  <a:pt x="346533" y="371170"/>
+                  <a:pt x="355500" y="370798"/>
+                  <a:pt x="356553" y="363519"/>
+                </a:cubicBezTo>
+                <a:cubicBezTo>
+                  <a:pt x="373083" y="243175"/>
+                  <a:pt x="405510" y="125528"/>
+                  <a:pt x="443593" y="10753"/>
+                </a:cubicBezTo>
+                <a:cubicBezTo>
+                  <a:pt x="446618" y="4679"/>
+                  <a:pt x="440173" y="-3323"/>
+                  <a:pt x="433354" y="1457"/>
+                </a:cubicBezTo>
+                <a:close/>
+                <a:moveTo>
+                  <a:pt x="144959" y="232695"/>
+                </a:moveTo>
+                <a:cubicBezTo>
+                  <a:pt x="144345" y="233234"/>
+                  <a:pt x="143819" y="233863"/>
+                  <a:pt x="143380" y="234558"/>
+                </a:cubicBezTo>
+                <a:cubicBezTo>
+                  <a:pt x="106218" y="229033"/>
+                  <a:pt x="69319" y="222164"/>
+                  <a:pt x="32639" y="213949"/>
+                </a:cubicBezTo>
+                <a:cubicBezTo>
+                  <a:pt x="52744" y="204895"/>
+                  <a:pt x="71358" y="192134"/>
+                  <a:pt x="90652" y="181720"/>
+                </a:cubicBezTo>
+                <a:cubicBezTo>
+                  <a:pt x="170610" y="138682"/>
+                  <a:pt x="257497" y="110816"/>
+                  <a:pt x="339320" y="71856"/>
+                </a:cubicBezTo>
+                <a:cubicBezTo>
+                  <a:pt x="273370" y="123978"/>
+                  <a:pt x="208584" y="177592"/>
+                  <a:pt x="144959" y="232695"/>
+                </a:cubicBezTo>
+                <a:close/>
+                <a:moveTo>
+                  <a:pt x="157938" y="358827"/>
+                </a:moveTo>
+                <a:lnTo>
+                  <a:pt x="158376" y="242429"/>
+                </a:lnTo>
+                <a:cubicBezTo>
+                  <a:pt x="158376" y="241688"/>
+                  <a:pt x="158267" y="240949"/>
+                  <a:pt x="158070" y="240237"/>
+                </a:cubicBezTo>
+                <a:cubicBezTo>
+                  <a:pt x="232788" y="175691"/>
+                  <a:pt x="309152" y="113147"/>
+                  <a:pt x="387181" y="52607"/>
+                </a:cubicBezTo>
+                <a:lnTo>
+                  <a:pt x="297159" y="137213"/>
+                </a:lnTo>
+                <a:cubicBezTo>
+                  <a:pt x="259098" y="172972"/>
+                  <a:pt x="217024" y="207372"/>
+                  <a:pt x="189531" y="252405"/>
+                </a:cubicBezTo>
+                <a:cubicBezTo>
+                  <a:pt x="188216" y="254240"/>
+                  <a:pt x="188018" y="256658"/>
+                  <a:pt x="189049" y="258675"/>
+                </a:cubicBezTo>
+                <a:cubicBezTo>
+                  <a:pt x="189356" y="259691"/>
+                  <a:pt x="189882" y="260620"/>
+                  <a:pt x="190605" y="261394"/>
+                </a:cubicBezTo>
+                <a:cubicBezTo>
+                  <a:pt x="181222" y="294369"/>
+                  <a:pt x="170325" y="326817"/>
+                  <a:pt x="157938" y="358739"/>
+                </a:cubicBezTo>
+                <a:close/>
+                <a:moveTo>
+                  <a:pt x="174535" y="355801"/>
+                </a:moveTo>
+                <a:cubicBezTo>
+                  <a:pt x="184927" y="328323"/>
+                  <a:pt x="194267" y="300479"/>
+                  <a:pt x="202533" y="272269"/>
+                </a:cubicBezTo>
+                <a:cubicBezTo>
+                  <a:pt x="212223" y="280124"/>
+                  <a:pt x="222396" y="287379"/>
+                  <a:pt x="232964" y="293996"/>
+                </a:cubicBezTo>
+                <a:cubicBezTo>
+                  <a:pt x="212749" y="313844"/>
+                  <a:pt x="193281" y="334418"/>
+                  <a:pt x="174535" y="355713"/>
+                </a:cubicBezTo>
+                <a:close/>
+                <a:moveTo>
+                  <a:pt x="344143" y="348807"/>
+                </a:moveTo>
+                <a:cubicBezTo>
+                  <a:pt x="334847" y="343743"/>
+                  <a:pt x="324608" y="340432"/>
+                  <a:pt x="316255" y="333460"/>
+                </a:cubicBezTo>
+                <a:cubicBezTo>
+                  <a:pt x="304394" y="323193"/>
+                  <a:pt x="291962" y="313631"/>
+                  <a:pt x="278983" y="304827"/>
+                </a:cubicBezTo>
+                <a:cubicBezTo>
+                  <a:pt x="253946" y="288581"/>
+                  <a:pt x="227351" y="274637"/>
+                  <a:pt x="205273" y="254400"/>
+                </a:cubicBezTo>
+                <a:cubicBezTo>
+                  <a:pt x="232701" y="211538"/>
+                  <a:pt x="274533" y="178125"/>
+                  <a:pt x="311212" y="143637"/>
+                </a:cubicBezTo>
+                <a:cubicBezTo>
+                  <a:pt x="346993" y="110020"/>
+                  <a:pt x="382796" y="76401"/>
+                  <a:pt x="418643" y="42784"/>
+                </a:cubicBezTo>
+                <a:cubicBezTo>
+                  <a:pt x="385098" y="142442"/>
+                  <a:pt x="360170" y="244797"/>
+                  <a:pt x="344143" y="348720"/>
+                </a:cubicBezTo>
+                <a:close/>
+                <a:moveTo>
+                  <a:pt x="55923" y="163172"/>
+                </a:moveTo>
+                <a:cubicBezTo>
+                  <a:pt x="76620" y="147430"/>
+                  <a:pt x="101087" y="137608"/>
+                  <a:pt x="124481" y="126668"/>
+                </a:cubicBezTo>
+                <a:lnTo>
+                  <a:pt x="197797" y="92378"/>
+                </a:lnTo>
+                <a:cubicBezTo>
+                  <a:pt x="206238" y="88431"/>
+                  <a:pt x="202379" y="74268"/>
+                  <a:pt x="193412" y="78434"/>
+                </a:cubicBezTo>
+                <a:lnTo>
+                  <a:pt x="116237" y="114478"/>
+                </a:lnTo>
+                <a:cubicBezTo>
+                  <a:pt x="92954" y="125440"/>
+                  <a:pt x="68661" y="135306"/>
+                  <a:pt x="48052" y="150960"/>
+                </a:cubicBezTo>
+                <a:cubicBezTo>
+                  <a:pt x="40532" y="156704"/>
+                  <a:pt x="48096" y="169114"/>
+                  <a:pt x="55923" y="163084"/>
+                </a:cubicBezTo>
+                <a:close/>
+                <a:moveTo>
+                  <a:pt x="41760" y="133684"/>
+                </a:moveTo>
+                <a:cubicBezTo>
+                  <a:pt x="60198" y="122794"/>
+                  <a:pt x="79119" y="112805"/>
+                  <a:pt x="98479" y="103713"/>
+                </a:cubicBezTo>
+                <a:cubicBezTo>
+                  <a:pt x="106919" y="99766"/>
+                  <a:pt x="103061" y="85603"/>
+                  <a:pt x="94094" y="89791"/>
+                </a:cubicBezTo>
+                <a:cubicBezTo>
+                  <a:pt x="73528" y="99409"/>
+                  <a:pt x="53467" y="109990"/>
+                  <a:pt x="33889" y="121537"/>
+                </a:cubicBezTo>
+                <a:cubicBezTo>
+                  <a:pt x="25689" y="126339"/>
+                  <a:pt x="33341" y="138573"/>
+                  <a:pt x="41760" y="133596"/>
+                </a:cubicBezTo>
+                <a:close/>
+              </a:path>
+            </a:pathLst>
+          </a:custGeom>
+          <a:solidFill>
+            <a:schemeClr val="dk1"/>
+          </a:solidFill>
+          <a:ln>
+            <a:noFill/>
+          </a:ln>
+        </p:spPr>
+        <p:txBody>
+          <a:bodyPr spcFirstLastPara="1" wrap="square" lIns="91425" tIns="45700" rIns="91425" bIns="45700" anchor="ctr" anchorCtr="0">
+            <a:noAutofit/>
+          </a:bodyPr>
+          <a:lstStyle/>
+          <a:p>
+            <a:pPr marL="0" marR="0" lvl="0" indent="0" algn="l" rtl="0">
+              <a:spcBef>
+                <a:spcPts val="0"/>
+              </a:spcBef>
+              <a:spcAft>
+                <a:spcPts val="0"/>
+              </a:spcAft>
+              <a:buNone/>
+            </a:pPr>
+            <a:endParaRPr sz="1800">
+              <a:solidFill>
+                <a:srgbClr val="000000"/>
+              </a:solidFill>
+              <a:latin typeface="Calibri"/>
+              <a:ea typeface="Calibri"/>
+              <a:cs typeface="Calibri"/>
+              <a:sym typeface="Calibri"/>
+            </a:endParaRPr>
+          </a:p>
+        </p:txBody>
+      </p:sp>
+      <p:sp>
+        <p:nvSpPr>
+          <p:cNvPr id="4" name="Rectangle 2"/>
+          <p:cNvSpPr>
+            <a:spLocks noChangeArrowheads="1"/>
+          </p:cNvSpPr>
+          <p:nvPr/>
+        </p:nvSpPr>
+        <p:spPr bwMode="auto">
+          <a:xfrm>
+            <a:off x="152400" y="288667"/>
+            <a:ext cx="205505" cy="184666"/>
+          </a:xfrm>
+          <a:prstGeom prst="rect">
+            <a:avLst/>
+          </a:prstGeom>
+          <a:noFill/>
+          <a:ln>
+            <a:noFill/>
+          </a:ln>
+          <a:effectLst/>
+          <a:extLst>
+            <a:ext uri="{909E8E84-426E-40DD-AFC4-6F175D3DCCD1}">
+              <a14:hiddenFill xmlns:a14="http://schemas.microsoft.com/office/drawing/2010/main">
+                <a:solidFill>
+                  <a:schemeClr val="accent1"/>
+                </a:solidFill>
+              </a14:hiddenFill>
+            </a:ext>
+            <a:ext uri="{91240B29-F687-4F45-9708-019B960494DF}">
+              <a14:hiddenLine xmlns:a14="http://schemas.microsoft.com/office/drawing/2010/main" w="9525">
+                <a:solidFill>
+                  <a:schemeClr val="tx1"/>
+                </a:solidFill>
+                <a:miter lim="800000"/>
+                <a:headEnd/>
+                <a:tailEnd/>
+              </a14:hiddenLine>
+            </a:ext>
+            <a:ext uri="{AF507438-7753-43E0-B8FC-AC1667EBCBE1}">
+              <a14:hiddenEffects xmlns:a14="http://schemas.microsoft.com/office/drawing/2010/main">
+                <a:effectLst>
+                  <a:outerShdw dist="35921" dir="2700000" algn="ctr" rotWithShape="0">
+                    <a:schemeClr val="bg2"/>
+                  </a:outerShdw>
+                </a:effectLst>
+              </a14:hiddenEffects>
+            </a:ext>
+          </a:extLst>
+        </p:spPr>
+        <p:txBody>
+          <a:bodyPr vert="horz" wrap="none" lIns="91440" tIns="45720" rIns="91440" bIns="45720" numCol="1" anchor="ctr" anchorCtr="0" compatLnSpc="1">
+            <a:prstTxWarp prst="textNoShape">
+              <a:avLst/>
+            </a:prstTxWarp>
+            <a:spAutoFit/>
+          </a:bodyPr>
+          <a:lstStyle/>
+          <a:p>
+            <a:pPr marL="0" marR="0" lvl="0" indent="0" algn="l" defTabSz="914400" rtl="0" eaLnBrk="0" fontAlgn="base" latinLnBrk="0" hangingPunct="0">
+              <a:lnSpc>
+                <a:spcPct val="100000"/>
+              </a:lnSpc>
+              <a:spcBef>
+                <a:spcPct val="0"/>
+              </a:spcBef>
+              <a:spcAft>
+                <a:spcPct val="0"/>
+              </a:spcAft>
+              <a:buClrTx/>
+              <a:buSzTx/>
+              <a:buFontTx/>
+              <a:buNone/>
+              <a:tabLst/>
+            </a:pPr>
+            <a:r>
+              <a:rPr kumimoji="0" lang="ru-RU" altLang="ru-RU" sz="600" b="0" i="0" u="none" strike="noStrike" cap="none" normalizeH="0" baseline="0" dirty="0" smtClean="0">
+                <a:ln>
+                  <a:noFill/>
+                </a:ln>
+                <a:solidFill>
+                  <a:schemeClr val="tx1"/>
+                </a:solidFill>
+                <a:effectLst/>
+              </a:rPr>
+              <a:t> </a:t>
+            </a:r>
+            <a:endParaRPr kumimoji="0" lang="ru-RU" altLang="ru-RU" sz="1800" b="0" i="0" u="none" strike="noStrike" cap="none" normalizeH="0" baseline="0" dirty="0" smtClean="0">
+              <a:ln>
+                <a:noFill/>
+              </a:ln>
+              <a:solidFill>
+                <a:schemeClr val="tx1"/>
+              </a:solidFill>
+              <a:effectLst/>
+              <a:latin typeface="Arial" panose="020B0604020202020204" pitchFamily="34" charset="0"/>
+            </a:endParaRPr>
+          </a:p>
+        </p:txBody>
+      </p:sp>
+    </p:spTree>
+    <p:extLst>
+      <p:ext uri="{BB962C8B-B14F-4D97-AF65-F5344CB8AC3E}">
+        <p14:creationId xmlns:p14="http://schemas.microsoft.com/office/powerpoint/2010/main" val="3047941759"/>
+      </p:ext>
+    </p:extLst>
+  </p:cSld>
+  <p:clrMapOvr>
+    <a:masterClrMapping/>
+  </p:clrMapOvr>
+</p:sld>
+</file>
+
+<file path=ppt/slides/slide11.xml><?xml version="1.0" encoding="utf-8"?>
+<p:sld xmlns:a="http://schemas.openxmlformats.org/drawingml/2006/main" xmlns:r="http://schemas.openxmlformats.org/officeDocument/2006/relationships" xmlns:p="http://schemas.openxmlformats.org/presentationml/2006/main">
+  <p:cSld>
+    <p:spTree>
+      <p:nvGrpSpPr>
+        <p:cNvPr id="1" name="Shape 224"/>
+        <p:cNvGrpSpPr/>
+        <p:nvPr/>
+      </p:nvGrpSpPr>
+      <p:grpSpPr>
+        <a:xfrm>
+          <a:off x="0" y="0"/>
+          <a:ext cx="0" cy="0"/>
+          <a:chOff x="0" y="0"/>
+          <a:chExt cx="0" cy="0"/>
+        </a:xfrm>
+      </p:grpSpPr>
+      <p:sp>
+        <p:nvSpPr>
+          <p:cNvPr id="225" name="Google Shape;225;p20"/>
+          <p:cNvSpPr txBox="1">
+            <a:spLocks noGrp="1"/>
+          </p:cNvSpPr>
+          <p:nvPr>
+            <p:ph type="title"/>
+          </p:nvPr>
+        </p:nvSpPr>
+        <p:spPr>
+          <a:xfrm>
             <a:off x="883375" y="683599"/>
             <a:ext cx="6426300" cy="409823"/>
           </a:xfrm>
@@ -9591,7 +10643,7 @@
             </a:pPr>
             <a:fld id="{00000000-1234-1234-1234-123412341234}" type="slidenum">
               <a:rPr lang="en"/>
-              <a:t>10</a:t>
+              <a:t>11</a:t>
             </a:fld>
             <a:endParaRPr/>
           </a:p>
@@ -10009,7 +11061,7 @@
 </p:sld>
 </file>
 
-<file path=ppt/slides/slide11.xml><?xml version="1.0" encoding="utf-8"?>
+<file path=ppt/slides/slide12.xml><?xml version="1.0" encoding="utf-8"?>
 <p:sld xmlns:a="http://schemas.openxmlformats.org/drawingml/2006/main" xmlns:r="http://schemas.openxmlformats.org/officeDocument/2006/relationships" xmlns:p="http://schemas.openxmlformats.org/presentationml/2006/main">
   <p:cSld>
     <p:spTree>
@@ -10166,7 +11218,7 @@
             </a:pPr>
             <a:fld id="{00000000-1234-1234-1234-123412341234}" type="slidenum">
               <a:rPr lang="en"/>
-              <a:t>11</a:t>
+              <a:t>12</a:t>
             </a:fld>
             <a:endParaRPr/>
           </a:p>
@@ -11415,7 +12467,6 @@
               <a:rPr lang="en-US" sz="2000" dirty="0"/>
               <a:t>t.me/sigal777</a:t>
             </a:r>
-            <a:endParaRPr lang="en-US" sz="2000" dirty="0"/>
           </a:p>
         </p:txBody>
       </p:sp>
@@ -11427,7 +12478,7 @@
 </p:sld>
 </file>
 
-<file path=ppt/slides/slide12.xml><?xml version="1.0" encoding="utf-8"?>
+<file path=ppt/slides/slide13.xml><?xml version="1.0" encoding="utf-8"?>
 <p:sld xmlns:a="http://schemas.openxmlformats.org/drawingml/2006/main" xmlns:r="http://schemas.openxmlformats.org/officeDocument/2006/relationships" xmlns:p="http://schemas.openxmlformats.org/presentationml/2006/main">
   <p:cSld>
     <p:spTree>
@@ -11621,7 +12672,7 @@
             </a:pPr>
             <a:fld id="{00000000-1234-1234-1234-123412341234}" type="slidenum">
               <a:rPr lang="en"/>
-              <a:t>12</a:t>
+              <a:t>13</a:t>
             </a:fld>
             <a:endParaRPr/>
           </a:p>
@@ -20627,7 +21678,7 @@
                       <m:fPr>
                         <m:ctrlPr>
                           <a:rPr lang="ru-RU" i="1" dirty="0" smtClean="0">
-                            <a:latin typeface="Cambria Math"/>
+                            <a:latin typeface="Cambria Math" panose="02040503050406030204" pitchFamily="18" charset="0"/>
                             <a:ea typeface="Cambria Math" panose="02040503050406030204" pitchFamily="18" charset="0"/>
                           </a:rPr>
                         </m:ctrlPr>
@@ -20726,7 +21777,7 @@
                       <m:fPr>
                         <m:ctrlPr>
                           <a:rPr lang="ru-RU" i="1" dirty="0">
-                            <a:latin typeface="Cambria Math"/>
+                            <a:latin typeface="Cambria Math" panose="02040503050406030204" pitchFamily="18" charset="0"/>
                             <a:ea typeface="Cambria Math" panose="02040503050406030204" pitchFamily="18" charset="0"/>
                           </a:rPr>
                         </m:ctrlPr>
